--- a/images/signal_corynebacterium.pptx
+++ b/images/signal_corynebacterium.pptx
@@ -7,14 +7,14 @@
   <p:sldIdLst>
     <p:sldId id="256" r:id="rId2"/>
   </p:sldIdLst>
-  <p:sldSz cx="9144000" cy="5486400"/>
+  <p:sldSz cx="4389438" cy="1920875"/>
   <p:notesSz cx="6858000" cy="9144000"/>
   <p:defaultTextStyle>
     <a:defPPr>
       <a:defRPr lang="en-US"/>
     </a:defPPr>
-    <a:lvl1pPr marL="0" algn="l" defTabSz="338548" rtl="0" eaLnBrk="1" latinLnBrk="0" hangingPunct="1">
-      <a:defRPr sz="1400" kern="1200">
+    <a:lvl1pPr marL="0" algn="l" defTabSz="146016" rtl="0" eaLnBrk="1" latinLnBrk="0" hangingPunct="1">
+      <a:defRPr sz="604" kern="1200">
         <a:solidFill>
           <a:schemeClr val="tx1"/>
         </a:solidFill>
@@ -23,8 +23,8 @@
         <a:cs typeface="+mn-cs"/>
       </a:defRPr>
     </a:lvl1pPr>
-    <a:lvl2pPr marL="338548" algn="l" defTabSz="338548" rtl="0" eaLnBrk="1" latinLnBrk="0" hangingPunct="1">
-      <a:defRPr sz="1400" kern="1200">
+    <a:lvl2pPr marL="146016" algn="l" defTabSz="146016" rtl="0" eaLnBrk="1" latinLnBrk="0" hangingPunct="1">
+      <a:defRPr sz="604" kern="1200">
         <a:solidFill>
           <a:schemeClr val="tx1"/>
         </a:solidFill>
@@ -33,8 +33,8 @@
         <a:cs typeface="+mn-cs"/>
       </a:defRPr>
     </a:lvl2pPr>
-    <a:lvl3pPr marL="677100" algn="l" defTabSz="338548" rtl="0" eaLnBrk="1" latinLnBrk="0" hangingPunct="1">
-      <a:defRPr sz="1400" kern="1200">
+    <a:lvl3pPr marL="292033" algn="l" defTabSz="146016" rtl="0" eaLnBrk="1" latinLnBrk="0" hangingPunct="1">
+      <a:defRPr sz="604" kern="1200">
         <a:solidFill>
           <a:schemeClr val="tx1"/>
         </a:solidFill>
@@ -43,8 +43,8 @@
         <a:cs typeface="+mn-cs"/>
       </a:defRPr>
     </a:lvl3pPr>
-    <a:lvl4pPr marL="1015648" algn="l" defTabSz="338548" rtl="0" eaLnBrk="1" latinLnBrk="0" hangingPunct="1">
-      <a:defRPr sz="1400" kern="1200">
+    <a:lvl4pPr marL="438049" algn="l" defTabSz="146016" rtl="0" eaLnBrk="1" latinLnBrk="0" hangingPunct="1">
+      <a:defRPr sz="604" kern="1200">
         <a:solidFill>
           <a:schemeClr val="tx1"/>
         </a:solidFill>
@@ -53,8 +53,8 @@
         <a:cs typeface="+mn-cs"/>
       </a:defRPr>
     </a:lvl4pPr>
-    <a:lvl5pPr marL="1354196" algn="l" defTabSz="338548" rtl="0" eaLnBrk="1" latinLnBrk="0" hangingPunct="1">
-      <a:defRPr sz="1400" kern="1200">
+    <a:lvl5pPr marL="584065" algn="l" defTabSz="146016" rtl="0" eaLnBrk="1" latinLnBrk="0" hangingPunct="1">
+      <a:defRPr sz="604" kern="1200">
         <a:solidFill>
           <a:schemeClr val="tx1"/>
         </a:solidFill>
@@ -63,8 +63,8 @@
         <a:cs typeface="+mn-cs"/>
       </a:defRPr>
     </a:lvl5pPr>
-    <a:lvl6pPr marL="1692748" algn="l" defTabSz="338548" rtl="0" eaLnBrk="1" latinLnBrk="0" hangingPunct="1">
-      <a:defRPr sz="1400" kern="1200">
+    <a:lvl6pPr marL="730082" algn="l" defTabSz="146016" rtl="0" eaLnBrk="1" latinLnBrk="0" hangingPunct="1">
+      <a:defRPr sz="604" kern="1200">
         <a:solidFill>
           <a:schemeClr val="tx1"/>
         </a:solidFill>
@@ -73,8 +73,8 @@
         <a:cs typeface="+mn-cs"/>
       </a:defRPr>
     </a:lvl6pPr>
-    <a:lvl7pPr marL="2031296" algn="l" defTabSz="338548" rtl="0" eaLnBrk="1" latinLnBrk="0" hangingPunct="1">
-      <a:defRPr sz="1400" kern="1200">
+    <a:lvl7pPr marL="876098" algn="l" defTabSz="146016" rtl="0" eaLnBrk="1" latinLnBrk="0" hangingPunct="1">
+      <a:defRPr sz="604" kern="1200">
         <a:solidFill>
           <a:schemeClr val="tx1"/>
         </a:solidFill>
@@ -83,8 +83,8 @@
         <a:cs typeface="+mn-cs"/>
       </a:defRPr>
     </a:lvl7pPr>
-    <a:lvl8pPr marL="2369848" algn="l" defTabSz="338548" rtl="0" eaLnBrk="1" latinLnBrk="0" hangingPunct="1">
-      <a:defRPr sz="1400" kern="1200">
+    <a:lvl8pPr marL="1022115" algn="l" defTabSz="146016" rtl="0" eaLnBrk="1" latinLnBrk="0" hangingPunct="1">
+      <a:defRPr sz="604" kern="1200">
         <a:solidFill>
           <a:schemeClr val="tx1"/>
         </a:solidFill>
@@ -93,8 +93,8 @@
         <a:cs typeface="+mn-cs"/>
       </a:defRPr>
     </a:lvl8pPr>
-    <a:lvl9pPr marL="2708398" algn="l" defTabSz="338548" rtl="0" eaLnBrk="1" latinLnBrk="0" hangingPunct="1">
-      <a:defRPr sz="1400" kern="1200">
+    <a:lvl9pPr marL="1168132" algn="l" defTabSz="146016" rtl="0" eaLnBrk="1" latinLnBrk="0" hangingPunct="1">
+      <a:defRPr sz="604" kern="1200">
         <a:solidFill>
           <a:schemeClr val="tx1"/>
         </a:solidFill>
@@ -107,12 +107,12 @@
   <p:extLst>
     <p:ext uri="{EFAFB233-063F-42B5-8137-9DF3F51BA10A}">
       <p15:sldGuideLst xmlns:p15="http://schemas.microsoft.com/office/powerpoint/2012/main">
-        <p15:guide id="1" orient="horz" pos="1730" userDrawn="1">
+        <p15:guide id="1" orient="horz" pos="606" userDrawn="1">
           <p15:clr>
             <a:srgbClr val="A4A3A4"/>
           </p15:clr>
         </p15:guide>
-        <p15:guide id="2" pos="2880" userDrawn="1">
+        <p15:guide id="2" pos="1383" userDrawn="1">
           <p15:clr>
             <a:srgbClr val="A4A3A4"/>
           </p15:clr>
@@ -152,8 +152,8 @@
         </p:nvSpPr>
         <p:spPr>
           <a:xfrm>
-            <a:off x="685805" y="1704349"/>
-            <a:ext cx="7772399" cy="1176020"/>
+            <a:off x="329210" y="596719"/>
+            <a:ext cx="3731022" cy="411743"/>
           </a:xfrm>
         </p:spPr>
         <p:txBody>
@@ -180,8 +180,8 @@
         </p:nvSpPr>
         <p:spPr>
           <a:xfrm>
-            <a:off x="1371605" y="3108964"/>
-            <a:ext cx="6400801" cy="1402079"/>
+            <a:off x="658418" y="1088497"/>
+            <a:ext cx="3072607" cy="490890"/>
           </a:xfrm>
         </p:spPr>
         <p:txBody>
@@ -197,7 +197,7 @@
                 </a:solidFill>
               </a:defRPr>
             </a:lvl1pPr>
-            <a:lvl2pPr marL="1096941" indent="0" algn="ctr">
+            <a:lvl2pPr marL="384039" indent="0" algn="ctr">
               <a:buNone/>
               <a:defRPr>
                 <a:solidFill>
@@ -207,7 +207,7 @@
                 </a:solidFill>
               </a:defRPr>
             </a:lvl2pPr>
-            <a:lvl3pPr marL="2193894" indent="0" algn="ctr">
+            <a:lvl3pPr marL="768082" indent="0" algn="ctr">
               <a:buNone/>
               <a:defRPr>
                 <a:solidFill>
@@ -217,7 +217,7 @@
                 </a:solidFill>
               </a:defRPr>
             </a:lvl3pPr>
-            <a:lvl4pPr marL="3290835" indent="0" algn="ctr">
+            <a:lvl4pPr marL="1152121" indent="0" algn="ctr">
               <a:buNone/>
               <a:defRPr>
                 <a:solidFill>
@@ -227,7 +227,7 @@
                 </a:solidFill>
               </a:defRPr>
             </a:lvl4pPr>
-            <a:lvl5pPr marL="4387776" indent="0" algn="ctr">
+            <a:lvl5pPr marL="1536160" indent="0" algn="ctr">
               <a:buNone/>
               <a:defRPr>
                 <a:solidFill>
@@ -237,7 +237,7 @@
                 </a:solidFill>
               </a:defRPr>
             </a:lvl5pPr>
-            <a:lvl6pPr marL="5484731" indent="0" algn="ctr">
+            <a:lvl6pPr marL="1920204" indent="0" algn="ctr">
               <a:buNone/>
               <a:defRPr>
                 <a:solidFill>
@@ -247,7 +247,7 @@
                 </a:solidFill>
               </a:defRPr>
             </a:lvl6pPr>
-            <a:lvl7pPr marL="6581673" indent="0" algn="ctr">
+            <a:lvl7pPr marL="2304244" indent="0" algn="ctr">
               <a:buNone/>
               <a:defRPr>
                 <a:solidFill>
@@ -257,7 +257,7 @@
                 </a:solidFill>
               </a:defRPr>
             </a:lvl7pPr>
-            <a:lvl8pPr marL="7678625" indent="0" algn="ctr">
+            <a:lvl8pPr marL="2688287" indent="0" algn="ctr">
               <a:buNone/>
               <a:defRPr>
                 <a:solidFill>
@@ -267,7 +267,7 @@
                 </a:solidFill>
               </a:defRPr>
             </a:lvl8pPr>
-            <a:lvl9pPr marL="8775575" indent="0" algn="ctr">
+            <a:lvl9pPr marL="3072329" indent="0" algn="ctr">
               <a:buNone/>
               <a:defRPr>
                 <a:solidFill>
@@ -304,7 +304,7 @@
           <a:p>
             <a:fld id="{01197F44-DB72-474A-9754-31703E05C006}" type="datetimeFigureOut">
               <a:rPr lang="en-US" smtClean="0"/>
-              <a:t>4/8/19</a:t>
+              <a:t>10/4/19</a:t>
             </a:fld>
             <a:endParaRPr lang="en-US"/>
           </a:p>
@@ -474,7 +474,7 @@
           <a:p>
             <a:fld id="{01197F44-DB72-474A-9754-31703E05C006}" type="datetimeFigureOut">
               <a:rPr lang="en-US" smtClean="0"/>
-              <a:t>4/8/19</a:t>
+              <a:t>10/4/19</a:t>
             </a:fld>
             <a:endParaRPr lang="en-US"/>
           </a:p>
@@ -564,8 +564,8 @@
         </p:nvSpPr>
         <p:spPr>
           <a:xfrm>
-            <a:off x="6629402" y="219716"/>
-            <a:ext cx="2057400" cy="4681223"/>
+            <a:off x="3182343" y="76926"/>
+            <a:ext cx="987624" cy="1638970"/>
           </a:xfrm>
         </p:spPr>
         <p:txBody>
@@ -592,8 +592,8 @@
         </p:nvSpPr>
         <p:spPr>
           <a:xfrm>
-            <a:off x="457206" y="219716"/>
-            <a:ext cx="6019800" cy="4681223"/>
+            <a:off x="219475" y="76926"/>
+            <a:ext cx="2889713" cy="1638970"/>
           </a:xfrm>
         </p:spPr>
         <p:txBody>
@@ -654,7 +654,7 @@
           <a:p>
             <a:fld id="{01197F44-DB72-474A-9754-31703E05C006}" type="datetimeFigureOut">
               <a:rPr lang="en-US" smtClean="0"/>
-              <a:t>4/8/19</a:t>
+              <a:t>10/4/19</a:t>
             </a:fld>
             <a:endParaRPr lang="en-US"/>
           </a:p>
@@ -824,7 +824,7 @@
           <a:p>
             <a:fld id="{01197F44-DB72-474A-9754-31703E05C006}" type="datetimeFigureOut">
               <a:rPr lang="en-US" smtClean="0"/>
-              <a:t>4/8/19</a:t>
+              <a:t>10/4/19</a:t>
             </a:fld>
             <a:endParaRPr lang="en-US"/>
           </a:p>
@@ -914,15 +914,15 @@
         </p:nvSpPr>
         <p:spPr>
           <a:xfrm>
-            <a:off x="722317" y="3525527"/>
-            <a:ext cx="7772399" cy="1089663"/>
+            <a:off x="346737" y="1234343"/>
+            <a:ext cx="3731022" cy="381508"/>
           </a:xfrm>
         </p:spPr>
         <p:txBody>
           <a:bodyPr anchor="t"/>
           <a:lstStyle>
             <a:lvl1pPr algn="l">
-              <a:defRPr sz="9720" b="1" cap="all"/>
+              <a:defRPr sz="3403" b="1" cap="all"/>
             </a:lvl1pPr>
           </a:lstStyle>
           <a:p>
@@ -946,8 +946,8 @@
         </p:nvSpPr>
         <p:spPr>
           <a:xfrm>
-            <a:off x="722317" y="2325376"/>
-            <a:ext cx="7772399" cy="1200150"/>
+            <a:off x="346737" y="814151"/>
+            <a:ext cx="3731022" cy="420191"/>
           </a:xfrm>
         </p:spPr>
         <p:txBody>
@@ -955,7 +955,7 @@
           <a:lstStyle>
             <a:lvl1pPr marL="0" indent="0">
               <a:buNone/>
-              <a:defRPr sz="5186">
+              <a:defRPr sz="1816">
                 <a:solidFill>
                   <a:schemeClr val="tx1">
                     <a:tint val="75000"/>
@@ -963,9 +963,9 @@
                 </a:solidFill>
               </a:defRPr>
             </a:lvl1pPr>
-            <a:lvl2pPr marL="1096941" indent="0">
-              <a:buNone/>
-              <a:defRPr sz="4536">
+            <a:lvl2pPr marL="384039" indent="0">
+              <a:buNone/>
+              <a:defRPr sz="1588">
                 <a:solidFill>
                   <a:schemeClr val="tx1">
                     <a:tint val="75000"/>
@@ -973,9 +973,9 @@
                 </a:solidFill>
               </a:defRPr>
             </a:lvl2pPr>
-            <a:lvl3pPr marL="2193894" indent="0">
-              <a:buNone/>
-              <a:defRPr sz="3888">
+            <a:lvl3pPr marL="768082" indent="0">
+              <a:buNone/>
+              <a:defRPr sz="1361">
                 <a:solidFill>
                   <a:schemeClr val="tx1">
                     <a:tint val="75000"/>
@@ -983,9 +983,9 @@
                 </a:solidFill>
               </a:defRPr>
             </a:lvl3pPr>
-            <a:lvl4pPr marL="3290835" indent="0">
-              <a:buNone/>
-              <a:defRPr sz="3240">
+            <a:lvl4pPr marL="1152121" indent="0">
+              <a:buNone/>
+              <a:defRPr sz="1134">
                 <a:solidFill>
                   <a:schemeClr val="tx1">
                     <a:tint val="75000"/>
@@ -993,9 +993,9 @@
                 </a:solidFill>
               </a:defRPr>
             </a:lvl4pPr>
-            <a:lvl5pPr marL="4387776" indent="0">
-              <a:buNone/>
-              <a:defRPr sz="3240">
+            <a:lvl5pPr marL="1536160" indent="0">
+              <a:buNone/>
+              <a:defRPr sz="1134">
                 <a:solidFill>
                   <a:schemeClr val="tx1">
                     <a:tint val="75000"/>
@@ -1003,9 +1003,9 @@
                 </a:solidFill>
               </a:defRPr>
             </a:lvl5pPr>
-            <a:lvl6pPr marL="5484731" indent="0">
-              <a:buNone/>
-              <a:defRPr sz="3240">
+            <a:lvl6pPr marL="1920204" indent="0">
+              <a:buNone/>
+              <a:defRPr sz="1134">
                 <a:solidFill>
                   <a:schemeClr val="tx1">
                     <a:tint val="75000"/>
@@ -1013,9 +1013,9 @@
                 </a:solidFill>
               </a:defRPr>
             </a:lvl6pPr>
-            <a:lvl7pPr marL="6581673" indent="0">
-              <a:buNone/>
-              <a:defRPr sz="3240">
+            <a:lvl7pPr marL="2304244" indent="0">
+              <a:buNone/>
+              <a:defRPr sz="1134">
                 <a:solidFill>
                   <a:schemeClr val="tx1">
                     <a:tint val="75000"/>
@@ -1023,9 +1023,9 @@
                 </a:solidFill>
               </a:defRPr>
             </a:lvl7pPr>
-            <a:lvl8pPr marL="7678625" indent="0">
-              <a:buNone/>
-              <a:defRPr sz="3240">
+            <a:lvl8pPr marL="2688287" indent="0">
+              <a:buNone/>
+              <a:defRPr sz="1134">
                 <a:solidFill>
                   <a:schemeClr val="tx1">
                     <a:tint val="75000"/>
@@ -1033,9 +1033,9 @@
                 </a:solidFill>
               </a:defRPr>
             </a:lvl8pPr>
-            <a:lvl9pPr marL="8775575" indent="0">
-              <a:buNone/>
-              <a:defRPr sz="3240">
+            <a:lvl9pPr marL="3072329" indent="0">
+              <a:buNone/>
+              <a:defRPr sz="1134">
                 <a:solidFill>
                   <a:schemeClr val="tx1">
                     <a:tint val="75000"/>
@@ -1070,7 +1070,7 @@
           <a:p>
             <a:fld id="{01197F44-DB72-474A-9754-31703E05C006}" type="datetimeFigureOut">
               <a:rPr lang="en-US" smtClean="0"/>
-              <a:t>4/8/19</a:t>
+              <a:t>10/4/19</a:t>
             </a:fld>
             <a:endParaRPr lang="en-US"/>
           </a:p>
@@ -1183,39 +1183,39 @@
         </p:nvSpPr>
         <p:spPr>
           <a:xfrm>
-            <a:off x="457204" y="1280171"/>
-            <a:ext cx="4038601" cy="3620771"/>
+            <a:off x="219474" y="448208"/>
+            <a:ext cx="1938669" cy="1267689"/>
           </a:xfrm>
         </p:spPr>
         <p:txBody>
           <a:bodyPr/>
           <a:lstStyle>
             <a:lvl1pPr>
-              <a:defRPr sz="7128"/>
+              <a:defRPr sz="2496"/>
             </a:lvl1pPr>
             <a:lvl2pPr>
-              <a:defRPr sz="5832"/>
+              <a:defRPr sz="2042"/>
             </a:lvl2pPr>
             <a:lvl3pPr>
-              <a:defRPr sz="5186"/>
+              <a:defRPr sz="1816"/>
             </a:lvl3pPr>
             <a:lvl4pPr>
-              <a:defRPr sz="4536"/>
+              <a:defRPr sz="1588"/>
             </a:lvl4pPr>
             <a:lvl5pPr>
-              <a:defRPr sz="4536"/>
+              <a:defRPr sz="1588"/>
             </a:lvl5pPr>
             <a:lvl6pPr>
-              <a:defRPr sz="4536"/>
+              <a:defRPr sz="1588"/>
             </a:lvl6pPr>
             <a:lvl7pPr>
-              <a:defRPr sz="4536"/>
+              <a:defRPr sz="1588"/>
             </a:lvl7pPr>
             <a:lvl8pPr>
-              <a:defRPr sz="4536"/>
+              <a:defRPr sz="1588"/>
             </a:lvl8pPr>
             <a:lvl9pPr>
-              <a:defRPr sz="4536"/>
+              <a:defRPr sz="1588"/>
             </a:lvl9pPr>
           </a:lstStyle>
           <a:p>
@@ -1268,39 +1268,39 @@
         </p:nvSpPr>
         <p:spPr>
           <a:xfrm>
-            <a:off x="4648205" y="1280171"/>
-            <a:ext cx="4038601" cy="3620771"/>
+            <a:off x="2231300" y="448208"/>
+            <a:ext cx="1938669" cy="1267689"/>
           </a:xfrm>
         </p:spPr>
         <p:txBody>
           <a:bodyPr/>
           <a:lstStyle>
             <a:lvl1pPr>
-              <a:defRPr sz="7128"/>
+              <a:defRPr sz="2496"/>
             </a:lvl1pPr>
             <a:lvl2pPr>
-              <a:defRPr sz="5832"/>
+              <a:defRPr sz="2042"/>
             </a:lvl2pPr>
             <a:lvl3pPr>
-              <a:defRPr sz="5186"/>
+              <a:defRPr sz="1816"/>
             </a:lvl3pPr>
             <a:lvl4pPr>
-              <a:defRPr sz="4536"/>
+              <a:defRPr sz="1588"/>
             </a:lvl4pPr>
             <a:lvl5pPr>
-              <a:defRPr sz="4536"/>
+              <a:defRPr sz="1588"/>
             </a:lvl5pPr>
             <a:lvl6pPr>
-              <a:defRPr sz="4536"/>
+              <a:defRPr sz="1588"/>
             </a:lvl6pPr>
             <a:lvl7pPr>
-              <a:defRPr sz="4536"/>
+              <a:defRPr sz="1588"/>
             </a:lvl7pPr>
             <a:lvl8pPr>
-              <a:defRPr sz="4536"/>
+              <a:defRPr sz="1588"/>
             </a:lvl8pPr>
             <a:lvl9pPr>
-              <a:defRPr sz="4536"/>
+              <a:defRPr sz="1588"/>
             </a:lvl9pPr>
           </a:lstStyle>
           <a:p>
@@ -1358,7 +1358,7 @@
           <a:p>
             <a:fld id="{01197F44-DB72-474A-9754-31703E05C006}" type="datetimeFigureOut">
               <a:rPr lang="en-US" smtClean="0"/>
-              <a:t>4/8/19</a:t>
+              <a:t>10/4/19</a:t>
             </a:fld>
             <a:endParaRPr lang="en-US"/>
           </a:p>
@@ -1475,8 +1475,8 @@
         </p:nvSpPr>
         <p:spPr>
           <a:xfrm>
-            <a:off x="457209" y="1228096"/>
-            <a:ext cx="4040189" cy="511808"/>
+            <a:off x="219477" y="429976"/>
+            <a:ext cx="1939431" cy="179192"/>
           </a:xfrm>
         </p:spPr>
         <p:txBody>
@@ -1484,39 +1484,39 @@
           <a:lstStyle>
             <a:lvl1pPr marL="0" indent="0">
               <a:buNone/>
-              <a:defRPr sz="5832" b="1"/>
+              <a:defRPr sz="2042" b="1"/>
             </a:lvl1pPr>
-            <a:lvl2pPr marL="1096941" indent="0">
-              <a:buNone/>
-              <a:defRPr sz="5186" b="1"/>
+            <a:lvl2pPr marL="384039" indent="0">
+              <a:buNone/>
+              <a:defRPr sz="1816" b="1"/>
             </a:lvl2pPr>
-            <a:lvl3pPr marL="2193894" indent="0">
-              <a:buNone/>
-              <a:defRPr sz="4536" b="1"/>
+            <a:lvl3pPr marL="768082" indent="0">
+              <a:buNone/>
+              <a:defRPr sz="1588" b="1"/>
             </a:lvl3pPr>
-            <a:lvl4pPr marL="3290835" indent="0">
-              <a:buNone/>
-              <a:defRPr sz="3888" b="1"/>
+            <a:lvl4pPr marL="1152121" indent="0">
+              <a:buNone/>
+              <a:defRPr sz="1361" b="1"/>
             </a:lvl4pPr>
-            <a:lvl5pPr marL="4387776" indent="0">
-              <a:buNone/>
-              <a:defRPr sz="3888" b="1"/>
+            <a:lvl5pPr marL="1536160" indent="0">
+              <a:buNone/>
+              <a:defRPr sz="1361" b="1"/>
             </a:lvl5pPr>
-            <a:lvl6pPr marL="5484731" indent="0">
-              <a:buNone/>
-              <a:defRPr sz="3888" b="1"/>
+            <a:lvl6pPr marL="1920204" indent="0">
+              <a:buNone/>
+              <a:defRPr sz="1361" b="1"/>
             </a:lvl6pPr>
-            <a:lvl7pPr marL="6581673" indent="0">
-              <a:buNone/>
-              <a:defRPr sz="3888" b="1"/>
+            <a:lvl7pPr marL="2304244" indent="0">
+              <a:buNone/>
+              <a:defRPr sz="1361" b="1"/>
             </a:lvl7pPr>
-            <a:lvl8pPr marL="7678625" indent="0">
-              <a:buNone/>
-              <a:defRPr sz="3888" b="1"/>
+            <a:lvl8pPr marL="2688287" indent="0">
+              <a:buNone/>
+              <a:defRPr sz="1361" b="1"/>
             </a:lvl8pPr>
-            <a:lvl9pPr marL="8775575" indent="0">
-              <a:buNone/>
-              <a:defRPr sz="3888" b="1"/>
+            <a:lvl9pPr marL="3072329" indent="0">
+              <a:buNone/>
+              <a:defRPr sz="1361" b="1"/>
             </a:lvl9pPr>
           </a:lstStyle>
           <a:p>
@@ -1540,39 +1540,39 @@
         </p:nvSpPr>
         <p:spPr>
           <a:xfrm>
-            <a:off x="457209" y="1739900"/>
-            <a:ext cx="4040189" cy="3161033"/>
+            <a:off x="219477" y="609167"/>
+            <a:ext cx="1939431" cy="1106727"/>
           </a:xfrm>
         </p:spPr>
         <p:txBody>
           <a:bodyPr/>
           <a:lstStyle>
             <a:lvl1pPr>
-              <a:defRPr sz="5832"/>
+              <a:defRPr sz="2042"/>
             </a:lvl1pPr>
             <a:lvl2pPr>
-              <a:defRPr sz="5186"/>
+              <a:defRPr sz="1816"/>
             </a:lvl2pPr>
             <a:lvl3pPr>
-              <a:defRPr sz="4536"/>
+              <a:defRPr sz="1588"/>
             </a:lvl3pPr>
             <a:lvl4pPr>
-              <a:defRPr sz="3888"/>
+              <a:defRPr sz="1361"/>
             </a:lvl4pPr>
             <a:lvl5pPr>
-              <a:defRPr sz="3888"/>
+              <a:defRPr sz="1361"/>
             </a:lvl5pPr>
             <a:lvl6pPr>
-              <a:defRPr sz="3888"/>
+              <a:defRPr sz="1361"/>
             </a:lvl6pPr>
             <a:lvl7pPr>
-              <a:defRPr sz="3888"/>
+              <a:defRPr sz="1361"/>
             </a:lvl7pPr>
             <a:lvl8pPr>
-              <a:defRPr sz="3888"/>
+              <a:defRPr sz="1361"/>
             </a:lvl8pPr>
             <a:lvl9pPr>
-              <a:defRPr sz="3888"/>
+              <a:defRPr sz="1361"/>
             </a:lvl9pPr>
           </a:lstStyle>
           <a:p>
@@ -1625,8 +1625,8 @@
         </p:nvSpPr>
         <p:spPr>
           <a:xfrm>
-            <a:off x="4645029" y="1228096"/>
-            <a:ext cx="4041776" cy="511808"/>
+            <a:off x="2229775" y="429976"/>
+            <a:ext cx="1940193" cy="179192"/>
           </a:xfrm>
         </p:spPr>
         <p:txBody>
@@ -1634,39 +1634,39 @@
           <a:lstStyle>
             <a:lvl1pPr marL="0" indent="0">
               <a:buNone/>
-              <a:defRPr sz="5832" b="1"/>
+              <a:defRPr sz="2042" b="1"/>
             </a:lvl1pPr>
-            <a:lvl2pPr marL="1096941" indent="0">
-              <a:buNone/>
-              <a:defRPr sz="5186" b="1"/>
+            <a:lvl2pPr marL="384039" indent="0">
+              <a:buNone/>
+              <a:defRPr sz="1816" b="1"/>
             </a:lvl2pPr>
-            <a:lvl3pPr marL="2193894" indent="0">
-              <a:buNone/>
-              <a:defRPr sz="4536" b="1"/>
+            <a:lvl3pPr marL="768082" indent="0">
+              <a:buNone/>
+              <a:defRPr sz="1588" b="1"/>
             </a:lvl3pPr>
-            <a:lvl4pPr marL="3290835" indent="0">
-              <a:buNone/>
-              <a:defRPr sz="3888" b="1"/>
+            <a:lvl4pPr marL="1152121" indent="0">
+              <a:buNone/>
+              <a:defRPr sz="1361" b="1"/>
             </a:lvl4pPr>
-            <a:lvl5pPr marL="4387776" indent="0">
-              <a:buNone/>
-              <a:defRPr sz="3888" b="1"/>
+            <a:lvl5pPr marL="1536160" indent="0">
+              <a:buNone/>
+              <a:defRPr sz="1361" b="1"/>
             </a:lvl5pPr>
-            <a:lvl6pPr marL="5484731" indent="0">
-              <a:buNone/>
-              <a:defRPr sz="3888" b="1"/>
+            <a:lvl6pPr marL="1920204" indent="0">
+              <a:buNone/>
+              <a:defRPr sz="1361" b="1"/>
             </a:lvl6pPr>
-            <a:lvl7pPr marL="6581673" indent="0">
-              <a:buNone/>
-              <a:defRPr sz="3888" b="1"/>
+            <a:lvl7pPr marL="2304244" indent="0">
+              <a:buNone/>
+              <a:defRPr sz="1361" b="1"/>
             </a:lvl7pPr>
-            <a:lvl8pPr marL="7678625" indent="0">
-              <a:buNone/>
-              <a:defRPr sz="3888" b="1"/>
+            <a:lvl8pPr marL="2688287" indent="0">
+              <a:buNone/>
+              <a:defRPr sz="1361" b="1"/>
             </a:lvl8pPr>
-            <a:lvl9pPr marL="8775575" indent="0">
-              <a:buNone/>
-              <a:defRPr sz="3888" b="1"/>
+            <a:lvl9pPr marL="3072329" indent="0">
+              <a:buNone/>
+              <a:defRPr sz="1361" b="1"/>
             </a:lvl9pPr>
           </a:lstStyle>
           <a:p>
@@ -1690,39 +1690,39 @@
         </p:nvSpPr>
         <p:spPr>
           <a:xfrm>
-            <a:off x="4645029" y="1739900"/>
-            <a:ext cx="4041776" cy="3161033"/>
+            <a:off x="2229775" y="609167"/>
+            <a:ext cx="1940193" cy="1106727"/>
           </a:xfrm>
         </p:spPr>
         <p:txBody>
           <a:bodyPr/>
           <a:lstStyle>
             <a:lvl1pPr>
-              <a:defRPr sz="5832"/>
+              <a:defRPr sz="2042"/>
             </a:lvl1pPr>
             <a:lvl2pPr>
-              <a:defRPr sz="5186"/>
+              <a:defRPr sz="1816"/>
             </a:lvl2pPr>
             <a:lvl3pPr>
-              <a:defRPr sz="4536"/>
+              <a:defRPr sz="1588"/>
             </a:lvl3pPr>
             <a:lvl4pPr>
-              <a:defRPr sz="3888"/>
+              <a:defRPr sz="1361"/>
             </a:lvl4pPr>
             <a:lvl5pPr>
-              <a:defRPr sz="3888"/>
+              <a:defRPr sz="1361"/>
             </a:lvl5pPr>
             <a:lvl6pPr>
-              <a:defRPr sz="3888"/>
+              <a:defRPr sz="1361"/>
             </a:lvl6pPr>
             <a:lvl7pPr>
-              <a:defRPr sz="3888"/>
+              <a:defRPr sz="1361"/>
             </a:lvl7pPr>
             <a:lvl8pPr>
-              <a:defRPr sz="3888"/>
+              <a:defRPr sz="1361"/>
             </a:lvl8pPr>
             <a:lvl9pPr>
-              <a:defRPr sz="3888"/>
+              <a:defRPr sz="1361"/>
             </a:lvl9pPr>
           </a:lstStyle>
           <a:p>
@@ -1780,7 +1780,7 @@
           <a:p>
             <a:fld id="{01197F44-DB72-474A-9754-31703E05C006}" type="datetimeFigureOut">
               <a:rPr lang="en-US" smtClean="0"/>
-              <a:t>4/8/19</a:t>
+              <a:t>10/4/19</a:t>
             </a:fld>
             <a:endParaRPr lang="en-US"/>
           </a:p>
@@ -1898,7 +1898,7 @@
           <a:p>
             <a:fld id="{01197F44-DB72-474A-9754-31703E05C006}" type="datetimeFigureOut">
               <a:rPr lang="en-US" smtClean="0"/>
-              <a:t>4/8/19</a:t>
+              <a:t>10/4/19</a:t>
             </a:fld>
             <a:endParaRPr lang="en-US"/>
           </a:p>
@@ -1993,7 +1993,7 @@
           <a:p>
             <a:fld id="{01197F44-DB72-474A-9754-31703E05C006}" type="datetimeFigureOut">
               <a:rPr lang="en-US" smtClean="0"/>
-              <a:t>4/8/19</a:t>
+              <a:t>10/4/19</a:t>
             </a:fld>
             <a:endParaRPr lang="en-US"/>
           </a:p>
@@ -2083,15 +2083,15 @@
         </p:nvSpPr>
         <p:spPr>
           <a:xfrm>
-            <a:off x="457205" y="218446"/>
-            <a:ext cx="3008313" cy="929639"/>
+            <a:off x="219474" y="76482"/>
+            <a:ext cx="1444095" cy="325481"/>
           </a:xfrm>
         </p:spPr>
         <p:txBody>
           <a:bodyPr anchor="b"/>
           <a:lstStyle>
             <a:lvl1pPr algn="l">
-              <a:defRPr sz="5186" b="1"/>
+              <a:defRPr sz="1816" b="1"/>
             </a:lvl1pPr>
           </a:lstStyle>
           <a:p>
@@ -2115,39 +2115,39 @@
         </p:nvSpPr>
         <p:spPr>
           <a:xfrm>
-            <a:off x="3575056" y="218445"/>
-            <a:ext cx="5111751" cy="4682490"/>
+            <a:off x="1716152" y="76481"/>
+            <a:ext cx="2453818" cy="1639413"/>
           </a:xfrm>
         </p:spPr>
         <p:txBody>
           <a:bodyPr/>
           <a:lstStyle>
             <a:lvl1pPr>
-              <a:defRPr sz="8426"/>
+              <a:defRPr sz="2950"/>
             </a:lvl1pPr>
             <a:lvl2pPr>
-              <a:defRPr sz="7128"/>
+              <a:defRPr sz="2496"/>
             </a:lvl2pPr>
             <a:lvl3pPr>
-              <a:defRPr sz="5832"/>
+              <a:defRPr sz="2042"/>
             </a:lvl3pPr>
             <a:lvl4pPr>
-              <a:defRPr sz="5186"/>
+              <a:defRPr sz="1816"/>
             </a:lvl4pPr>
             <a:lvl5pPr>
-              <a:defRPr sz="5186"/>
+              <a:defRPr sz="1816"/>
             </a:lvl5pPr>
             <a:lvl6pPr>
-              <a:defRPr sz="5186"/>
+              <a:defRPr sz="1816"/>
             </a:lvl6pPr>
             <a:lvl7pPr>
-              <a:defRPr sz="5186"/>
+              <a:defRPr sz="1816"/>
             </a:lvl7pPr>
             <a:lvl8pPr>
-              <a:defRPr sz="5186"/>
+              <a:defRPr sz="1816"/>
             </a:lvl8pPr>
             <a:lvl9pPr>
-              <a:defRPr sz="5186"/>
+              <a:defRPr sz="1816"/>
             </a:lvl9pPr>
           </a:lstStyle>
           <a:p>
@@ -2200,8 +2200,8 @@
         </p:nvSpPr>
         <p:spPr>
           <a:xfrm>
-            <a:off x="457205" y="1148087"/>
-            <a:ext cx="3008313" cy="3752852"/>
+            <a:off x="219474" y="401963"/>
+            <a:ext cx="1444095" cy="1313933"/>
           </a:xfrm>
         </p:spPr>
         <p:txBody>
@@ -2209,39 +2209,39 @@
           <a:lstStyle>
             <a:lvl1pPr marL="0" indent="0">
               <a:buNone/>
-              <a:defRPr sz="3240"/>
+              <a:defRPr sz="1134"/>
             </a:lvl1pPr>
-            <a:lvl2pPr marL="1096941" indent="0">
-              <a:buNone/>
-              <a:defRPr sz="2592"/>
+            <a:lvl2pPr marL="384039" indent="0">
+              <a:buNone/>
+              <a:defRPr sz="907"/>
             </a:lvl2pPr>
-            <a:lvl3pPr marL="2193894" indent="0">
-              <a:buNone/>
-              <a:defRPr sz="1944"/>
+            <a:lvl3pPr marL="768082" indent="0">
+              <a:buNone/>
+              <a:defRPr sz="681"/>
             </a:lvl3pPr>
-            <a:lvl4pPr marL="3290835" indent="0">
-              <a:buNone/>
-              <a:defRPr sz="1944"/>
+            <a:lvl4pPr marL="1152121" indent="0">
+              <a:buNone/>
+              <a:defRPr sz="681"/>
             </a:lvl4pPr>
-            <a:lvl5pPr marL="4387776" indent="0">
-              <a:buNone/>
-              <a:defRPr sz="1944"/>
+            <a:lvl5pPr marL="1536160" indent="0">
+              <a:buNone/>
+              <a:defRPr sz="681"/>
             </a:lvl5pPr>
-            <a:lvl6pPr marL="5484731" indent="0">
-              <a:buNone/>
-              <a:defRPr sz="1944"/>
+            <a:lvl6pPr marL="1920204" indent="0">
+              <a:buNone/>
+              <a:defRPr sz="681"/>
             </a:lvl6pPr>
-            <a:lvl7pPr marL="6581673" indent="0">
-              <a:buNone/>
-              <a:defRPr sz="1944"/>
+            <a:lvl7pPr marL="2304244" indent="0">
+              <a:buNone/>
+              <a:defRPr sz="681"/>
             </a:lvl7pPr>
-            <a:lvl8pPr marL="7678625" indent="0">
-              <a:buNone/>
-              <a:defRPr sz="1944"/>
+            <a:lvl8pPr marL="2688287" indent="0">
+              <a:buNone/>
+              <a:defRPr sz="681"/>
             </a:lvl8pPr>
-            <a:lvl9pPr marL="8775575" indent="0">
-              <a:buNone/>
-              <a:defRPr sz="1944"/>
+            <a:lvl9pPr marL="3072329" indent="0">
+              <a:buNone/>
+              <a:defRPr sz="681"/>
             </a:lvl9pPr>
           </a:lstStyle>
           <a:p>
@@ -2270,7 +2270,7 @@
           <a:p>
             <a:fld id="{01197F44-DB72-474A-9754-31703E05C006}" type="datetimeFigureOut">
               <a:rPr lang="en-US" smtClean="0"/>
-              <a:t>4/8/19</a:t>
+              <a:t>10/4/19</a:t>
             </a:fld>
             <a:endParaRPr lang="en-US"/>
           </a:p>
@@ -2360,15 +2360,15 @@
         </p:nvSpPr>
         <p:spPr>
           <a:xfrm>
-            <a:off x="1792292" y="3840488"/>
-            <a:ext cx="5486400" cy="453389"/>
+            <a:off x="860362" y="1344615"/>
+            <a:ext cx="2633663" cy="158739"/>
           </a:xfrm>
         </p:spPr>
         <p:txBody>
           <a:bodyPr anchor="b"/>
           <a:lstStyle>
             <a:lvl1pPr algn="l">
-              <a:defRPr sz="5186" b="1"/>
+              <a:defRPr sz="1816" b="1"/>
             </a:lvl1pPr>
           </a:lstStyle>
           <a:p>
@@ -2392,8 +2392,8 @@
         </p:nvSpPr>
         <p:spPr>
           <a:xfrm>
-            <a:off x="1792292" y="490221"/>
-            <a:ext cx="5486400" cy="3291840"/>
+            <a:off x="860362" y="171634"/>
+            <a:ext cx="2633663" cy="1152525"/>
           </a:xfrm>
         </p:spPr>
         <p:txBody>
@@ -2401,39 +2401,39 @@
           <a:lstStyle>
             <a:lvl1pPr marL="0" indent="0">
               <a:buNone/>
-              <a:defRPr sz="8426"/>
+              <a:defRPr sz="2950"/>
             </a:lvl1pPr>
-            <a:lvl2pPr marL="1096941" indent="0">
-              <a:buNone/>
-              <a:defRPr sz="7128"/>
+            <a:lvl2pPr marL="384039" indent="0">
+              <a:buNone/>
+              <a:defRPr sz="2496"/>
             </a:lvl2pPr>
-            <a:lvl3pPr marL="2193894" indent="0">
-              <a:buNone/>
-              <a:defRPr sz="5832"/>
+            <a:lvl3pPr marL="768082" indent="0">
+              <a:buNone/>
+              <a:defRPr sz="2042"/>
             </a:lvl3pPr>
-            <a:lvl4pPr marL="3290835" indent="0">
-              <a:buNone/>
-              <a:defRPr sz="5186"/>
+            <a:lvl4pPr marL="1152121" indent="0">
+              <a:buNone/>
+              <a:defRPr sz="1816"/>
             </a:lvl4pPr>
-            <a:lvl5pPr marL="4387776" indent="0">
-              <a:buNone/>
-              <a:defRPr sz="5186"/>
+            <a:lvl5pPr marL="1536160" indent="0">
+              <a:buNone/>
+              <a:defRPr sz="1816"/>
             </a:lvl5pPr>
-            <a:lvl6pPr marL="5484731" indent="0">
-              <a:buNone/>
-              <a:defRPr sz="5186"/>
+            <a:lvl6pPr marL="1920204" indent="0">
+              <a:buNone/>
+              <a:defRPr sz="1816"/>
             </a:lvl6pPr>
-            <a:lvl7pPr marL="6581673" indent="0">
-              <a:buNone/>
-              <a:defRPr sz="5186"/>
+            <a:lvl7pPr marL="2304244" indent="0">
+              <a:buNone/>
+              <a:defRPr sz="1816"/>
             </a:lvl7pPr>
-            <a:lvl8pPr marL="7678625" indent="0">
-              <a:buNone/>
-              <a:defRPr sz="5186"/>
+            <a:lvl8pPr marL="2688287" indent="0">
+              <a:buNone/>
+              <a:defRPr sz="1816"/>
             </a:lvl8pPr>
-            <a:lvl9pPr marL="8775575" indent="0">
-              <a:buNone/>
-              <a:defRPr sz="5186"/>
+            <a:lvl9pPr marL="3072329" indent="0">
+              <a:buNone/>
+              <a:defRPr sz="1816"/>
             </a:lvl9pPr>
           </a:lstStyle>
           <a:p>
@@ -2453,8 +2453,8 @@
         </p:nvSpPr>
         <p:spPr>
           <a:xfrm>
-            <a:off x="1792292" y="4293875"/>
-            <a:ext cx="5486400" cy="643892"/>
+            <a:off x="860362" y="1503353"/>
+            <a:ext cx="2633663" cy="225437"/>
           </a:xfrm>
         </p:spPr>
         <p:txBody>
@@ -2462,39 +2462,39 @@
           <a:lstStyle>
             <a:lvl1pPr marL="0" indent="0">
               <a:buNone/>
-              <a:defRPr sz="3240"/>
+              <a:defRPr sz="1134"/>
             </a:lvl1pPr>
-            <a:lvl2pPr marL="1096941" indent="0">
-              <a:buNone/>
-              <a:defRPr sz="2592"/>
+            <a:lvl2pPr marL="384039" indent="0">
+              <a:buNone/>
+              <a:defRPr sz="907"/>
             </a:lvl2pPr>
-            <a:lvl3pPr marL="2193894" indent="0">
-              <a:buNone/>
-              <a:defRPr sz="1944"/>
+            <a:lvl3pPr marL="768082" indent="0">
+              <a:buNone/>
+              <a:defRPr sz="681"/>
             </a:lvl3pPr>
-            <a:lvl4pPr marL="3290835" indent="0">
-              <a:buNone/>
-              <a:defRPr sz="1944"/>
+            <a:lvl4pPr marL="1152121" indent="0">
+              <a:buNone/>
+              <a:defRPr sz="681"/>
             </a:lvl4pPr>
-            <a:lvl5pPr marL="4387776" indent="0">
-              <a:buNone/>
-              <a:defRPr sz="1944"/>
+            <a:lvl5pPr marL="1536160" indent="0">
+              <a:buNone/>
+              <a:defRPr sz="681"/>
             </a:lvl5pPr>
-            <a:lvl6pPr marL="5484731" indent="0">
-              <a:buNone/>
-              <a:defRPr sz="1944"/>
+            <a:lvl6pPr marL="1920204" indent="0">
+              <a:buNone/>
+              <a:defRPr sz="681"/>
             </a:lvl6pPr>
-            <a:lvl7pPr marL="6581673" indent="0">
-              <a:buNone/>
-              <a:defRPr sz="1944"/>
+            <a:lvl7pPr marL="2304244" indent="0">
+              <a:buNone/>
+              <a:defRPr sz="681"/>
             </a:lvl7pPr>
-            <a:lvl8pPr marL="7678625" indent="0">
-              <a:buNone/>
-              <a:defRPr sz="1944"/>
+            <a:lvl8pPr marL="2688287" indent="0">
+              <a:buNone/>
+              <a:defRPr sz="681"/>
             </a:lvl8pPr>
-            <a:lvl9pPr marL="8775575" indent="0">
-              <a:buNone/>
-              <a:defRPr sz="1944"/>
+            <a:lvl9pPr marL="3072329" indent="0">
+              <a:buNone/>
+              <a:defRPr sz="681"/>
             </a:lvl9pPr>
           </a:lstStyle>
           <a:p>
@@ -2523,7 +2523,7 @@
           <a:p>
             <a:fld id="{01197F44-DB72-474A-9754-31703E05C006}" type="datetimeFigureOut">
               <a:rPr lang="en-US" smtClean="0"/>
-              <a:t>4/8/19</a:t>
+              <a:t>10/4/19</a:t>
             </a:fld>
             <a:endParaRPr lang="en-US"/>
           </a:p>
@@ -2618,8 +2618,8 @@
         </p:nvSpPr>
         <p:spPr>
           <a:xfrm>
-            <a:off x="457205" y="219716"/>
-            <a:ext cx="8229601" cy="914400"/>
+            <a:off x="219474" y="76926"/>
+            <a:ext cx="3950495" cy="320146"/>
           </a:xfrm>
           <a:prstGeom prst="rect">
             <a:avLst/>
@@ -2651,8 +2651,8 @@
         </p:nvSpPr>
         <p:spPr>
           <a:xfrm>
-            <a:off x="457205" y="1280171"/>
-            <a:ext cx="8229601" cy="3620771"/>
+            <a:off x="219474" y="448208"/>
+            <a:ext cx="3950495" cy="1267689"/>
           </a:xfrm>
           <a:prstGeom prst="rect">
             <a:avLst/>
@@ -2713,8 +2713,8 @@
         </p:nvSpPr>
         <p:spPr>
           <a:xfrm>
-            <a:off x="457200" y="5085085"/>
-            <a:ext cx="2133600" cy="292100"/>
+            <a:off x="219472" y="1780368"/>
+            <a:ext cx="1024202" cy="102269"/>
           </a:xfrm>
           <a:prstGeom prst="rect">
             <a:avLst/>
@@ -2724,7 +2724,7 @@
           <a:bodyPr vert="horz" lIns="67711" tIns="33854" rIns="67711" bIns="33854" rtlCol="0" anchor="ctr"/>
           <a:lstStyle>
             <a:lvl1pPr algn="l">
-              <a:defRPr sz="2592">
+              <a:defRPr sz="907">
                 <a:solidFill>
                   <a:schemeClr val="tx1">
                     <a:tint val="75000"/>
@@ -2736,7 +2736,7 @@
           <a:p>
             <a:fld id="{01197F44-DB72-474A-9754-31703E05C006}" type="datetimeFigureOut">
               <a:rPr lang="en-US" smtClean="0"/>
-              <a:t>4/8/19</a:t>
+              <a:t>10/4/19</a:t>
             </a:fld>
             <a:endParaRPr lang="en-US"/>
           </a:p>
@@ -2754,8 +2754,8 @@
         </p:nvSpPr>
         <p:spPr>
           <a:xfrm>
-            <a:off x="3124200" y="5085085"/>
-            <a:ext cx="2895602" cy="292100"/>
+            <a:off x="1499724" y="1780368"/>
+            <a:ext cx="1389990" cy="102269"/>
           </a:xfrm>
           <a:prstGeom prst="rect">
             <a:avLst/>
@@ -2765,7 +2765,7 @@
           <a:bodyPr vert="horz" lIns="67711" tIns="33854" rIns="67711" bIns="33854" rtlCol="0" anchor="ctr"/>
           <a:lstStyle>
             <a:lvl1pPr algn="ctr">
-              <a:defRPr sz="2592">
+              <a:defRPr sz="907">
                 <a:solidFill>
                   <a:schemeClr val="tx1">
                     <a:tint val="75000"/>
@@ -2791,8 +2791,8 @@
         </p:nvSpPr>
         <p:spPr>
           <a:xfrm>
-            <a:off x="6553200" y="5085085"/>
-            <a:ext cx="2133600" cy="292100"/>
+            <a:off x="3145764" y="1780368"/>
+            <a:ext cx="1024202" cy="102269"/>
           </a:xfrm>
           <a:prstGeom prst="rect">
             <a:avLst/>
@@ -2802,7 +2802,7 @@
           <a:bodyPr vert="horz" lIns="67711" tIns="33854" rIns="67711" bIns="33854" rtlCol="0" anchor="ctr"/>
           <a:lstStyle>
             <a:lvl1pPr algn="r">
-              <a:defRPr sz="2592">
+              <a:defRPr sz="907">
                 <a:solidFill>
                   <a:schemeClr val="tx1">
                     <a:tint val="75000"/>
@@ -2843,12 +2843,12 @@
   </p:sldLayoutIdLst>
   <p:txStyles>
     <p:titleStyle>
-      <a:lvl1pPr algn="ctr" defTabSz="1096941" rtl="0" eaLnBrk="1" latinLnBrk="0" hangingPunct="1">
+      <a:lvl1pPr algn="ctr" defTabSz="384039" rtl="0" eaLnBrk="1" latinLnBrk="0" hangingPunct="1">
         <a:spcBef>
           <a:spcPct val="0"/>
         </a:spcBef>
         <a:buNone/>
-        <a:defRPr sz="10368" kern="1200">
+        <a:defRPr sz="3630" kern="1200">
           <a:solidFill>
             <a:schemeClr val="tx1"/>
           </a:solidFill>
@@ -2859,13 +2859,13 @@
       </a:lvl1pPr>
     </p:titleStyle>
     <p:bodyStyle>
-      <a:lvl1pPr marL="822705" indent="-822705" algn="l" defTabSz="1096941" rtl="0" eaLnBrk="1" latinLnBrk="0" hangingPunct="1">
+      <a:lvl1pPr marL="288029" indent="-288029" algn="l" defTabSz="384039" rtl="0" eaLnBrk="1" latinLnBrk="0" hangingPunct="1">
         <a:spcBef>
           <a:spcPct val="20000"/>
         </a:spcBef>
         <a:buFont typeface="Arial"/>
         <a:buChar char="•"/>
-        <a:defRPr sz="8426" kern="1200">
+        <a:defRPr sz="2950" kern="1200">
           <a:solidFill>
             <a:schemeClr val="tx1"/>
           </a:solidFill>
@@ -2874,13 +2874,13 @@
           <a:cs typeface="+mn-cs"/>
         </a:defRPr>
       </a:lvl1pPr>
-      <a:lvl2pPr marL="1782540" indent="-685587" algn="l" defTabSz="1096941" rtl="0" eaLnBrk="1" latinLnBrk="0" hangingPunct="1">
+      <a:lvl2pPr marL="624067" indent="-240024" algn="l" defTabSz="384039" rtl="0" eaLnBrk="1" latinLnBrk="0" hangingPunct="1">
         <a:spcBef>
           <a:spcPct val="20000"/>
         </a:spcBef>
         <a:buFont typeface="Arial"/>
         <a:buChar char="–"/>
-        <a:defRPr sz="7128" kern="1200">
+        <a:defRPr sz="2496" kern="1200">
           <a:solidFill>
             <a:schemeClr val="tx1"/>
           </a:solidFill>
@@ -2889,13 +2889,13 @@
           <a:cs typeface="+mn-cs"/>
         </a:defRPr>
       </a:lvl2pPr>
-      <a:lvl3pPr marL="2742366" indent="-548465" algn="l" defTabSz="1096941" rtl="0" eaLnBrk="1" latinLnBrk="0" hangingPunct="1">
+      <a:lvl3pPr marL="960102" indent="-192018" algn="l" defTabSz="384039" rtl="0" eaLnBrk="1" latinLnBrk="0" hangingPunct="1">
         <a:spcBef>
           <a:spcPct val="20000"/>
         </a:spcBef>
         <a:buFont typeface="Arial"/>
         <a:buChar char="•"/>
-        <a:defRPr sz="5832" kern="1200">
+        <a:defRPr sz="2042" kern="1200">
           <a:solidFill>
             <a:schemeClr val="tx1"/>
           </a:solidFill>
@@ -2904,13 +2904,13 @@
           <a:cs typeface="+mn-cs"/>
         </a:defRPr>
       </a:lvl3pPr>
-      <a:lvl4pPr marL="3839307" indent="-548465" algn="l" defTabSz="1096941" rtl="0" eaLnBrk="1" latinLnBrk="0" hangingPunct="1">
+      <a:lvl4pPr marL="1344141" indent="-192018" algn="l" defTabSz="384039" rtl="0" eaLnBrk="1" latinLnBrk="0" hangingPunct="1">
         <a:spcBef>
           <a:spcPct val="20000"/>
         </a:spcBef>
         <a:buFont typeface="Arial"/>
         <a:buChar char="–"/>
-        <a:defRPr sz="5186" kern="1200">
+        <a:defRPr sz="1816" kern="1200">
           <a:solidFill>
             <a:schemeClr val="tx1"/>
           </a:solidFill>
@@ -2919,13 +2919,13 @@
           <a:cs typeface="+mn-cs"/>
         </a:defRPr>
       </a:lvl4pPr>
-      <a:lvl5pPr marL="4936260" indent="-548465" algn="l" defTabSz="1096941" rtl="0" eaLnBrk="1" latinLnBrk="0" hangingPunct="1">
+      <a:lvl5pPr marL="1728185" indent="-192018" algn="l" defTabSz="384039" rtl="0" eaLnBrk="1" latinLnBrk="0" hangingPunct="1">
         <a:spcBef>
           <a:spcPct val="20000"/>
         </a:spcBef>
         <a:buFont typeface="Arial"/>
         <a:buChar char="»"/>
-        <a:defRPr sz="5186" kern="1200">
+        <a:defRPr sz="1816" kern="1200">
           <a:solidFill>
             <a:schemeClr val="tx1"/>
           </a:solidFill>
@@ -2934,13 +2934,13 @@
           <a:cs typeface="+mn-cs"/>
         </a:defRPr>
       </a:lvl5pPr>
-      <a:lvl6pPr marL="6033209" indent="-548465" algn="l" defTabSz="1096941" rtl="0" eaLnBrk="1" latinLnBrk="0" hangingPunct="1">
+      <a:lvl6pPr marL="2112226" indent="-192018" algn="l" defTabSz="384039" rtl="0" eaLnBrk="1" latinLnBrk="0" hangingPunct="1">
         <a:spcBef>
           <a:spcPct val="20000"/>
         </a:spcBef>
         <a:buFont typeface="Arial"/>
         <a:buChar char="•"/>
-        <a:defRPr sz="5186" kern="1200">
+        <a:defRPr sz="1816" kern="1200">
           <a:solidFill>
             <a:schemeClr val="tx1"/>
           </a:solidFill>
@@ -2949,13 +2949,13 @@
           <a:cs typeface="+mn-cs"/>
         </a:defRPr>
       </a:lvl6pPr>
-      <a:lvl7pPr marL="7130156" indent="-548465" algn="l" defTabSz="1096941" rtl="0" eaLnBrk="1" latinLnBrk="0" hangingPunct="1">
+      <a:lvl7pPr marL="2496268" indent="-192018" algn="l" defTabSz="384039" rtl="0" eaLnBrk="1" latinLnBrk="0" hangingPunct="1">
         <a:spcBef>
           <a:spcPct val="20000"/>
         </a:spcBef>
         <a:buFont typeface="Arial"/>
         <a:buChar char="•"/>
-        <a:defRPr sz="5186" kern="1200">
+        <a:defRPr sz="1816" kern="1200">
           <a:solidFill>
             <a:schemeClr val="tx1"/>
           </a:solidFill>
@@ -2964,13 +2964,13 @@
           <a:cs typeface="+mn-cs"/>
         </a:defRPr>
       </a:lvl7pPr>
-      <a:lvl8pPr marL="8227097" indent="-548465" algn="l" defTabSz="1096941" rtl="0" eaLnBrk="1" latinLnBrk="0" hangingPunct="1">
+      <a:lvl8pPr marL="2880307" indent="-192018" algn="l" defTabSz="384039" rtl="0" eaLnBrk="1" latinLnBrk="0" hangingPunct="1">
         <a:spcBef>
           <a:spcPct val="20000"/>
         </a:spcBef>
         <a:buFont typeface="Arial"/>
         <a:buChar char="•"/>
-        <a:defRPr sz="5186" kern="1200">
+        <a:defRPr sz="1816" kern="1200">
           <a:solidFill>
             <a:schemeClr val="tx1"/>
           </a:solidFill>
@@ -2979,13 +2979,13 @@
           <a:cs typeface="+mn-cs"/>
         </a:defRPr>
       </a:lvl8pPr>
-      <a:lvl9pPr marL="9324047" indent="-548465" algn="l" defTabSz="1096941" rtl="0" eaLnBrk="1" latinLnBrk="0" hangingPunct="1">
+      <a:lvl9pPr marL="3264349" indent="-192018" algn="l" defTabSz="384039" rtl="0" eaLnBrk="1" latinLnBrk="0" hangingPunct="1">
         <a:spcBef>
           <a:spcPct val="20000"/>
         </a:spcBef>
         <a:buFont typeface="Arial"/>
         <a:buChar char="•"/>
-        <a:defRPr sz="5186" kern="1200">
+        <a:defRPr sz="1816" kern="1200">
           <a:solidFill>
             <a:schemeClr val="tx1"/>
           </a:solidFill>
@@ -2999,8 +2999,8 @@
       <a:defPPr>
         <a:defRPr lang="en-US"/>
       </a:defPPr>
-      <a:lvl1pPr marL="0" algn="l" defTabSz="1096941" rtl="0" eaLnBrk="1" latinLnBrk="0" hangingPunct="1">
-        <a:defRPr sz="4536" kern="1200">
+      <a:lvl1pPr marL="0" algn="l" defTabSz="384039" rtl="0" eaLnBrk="1" latinLnBrk="0" hangingPunct="1">
+        <a:defRPr sz="1588" kern="1200">
           <a:solidFill>
             <a:schemeClr val="tx1"/>
           </a:solidFill>
@@ -3009,8 +3009,8 @@
           <a:cs typeface="+mn-cs"/>
         </a:defRPr>
       </a:lvl1pPr>
-      <a:lvl2pPr marL="1096941" algn="l" defTabSz="1096941" rtl="0" eaLnBrk="1" latinLnBrk="0" hangingPunct="1">
-        <a:defRPr sz="4536" kern="1200">
+      <a:lvl2pPr marL="384039" algn="l" defTabSz="384039" rtl="0" eaLnBrk="1" latinLnBrk="0" hangingPunct="1">
+        <a:defRPr sz="1588" kern="1200">
           <a:solidFill>
             <a:schemeClr val="tx1"/>
           </a:solidFill>
@@ -3019,8 +3019,8 @@
           <a:cs typeface="+mn-cs"/>
         </a:defRPr>
       </a:lvl2pPr>
-      <a:lvl3pPr marL="2193894" algn="l" defTabSz="1096941" rtl="0" eaLnBrk="1" latinLnBrk="0" hangingPunct="1">
-        <a:defRPr sz="4536" kern="1200">
+      <a:lvl3pPr marL="768082" algn="l" defTabSz="384039" rtl="0" eaLnBrk="1" latinLnBrk="0" hangingPunct="1">
+        <a:defRPr sz="1588" kern="1200">
           <a:solidFill>
             <a:schemeClr val="tx1"/>
           </a:solidFill>
@@ -3029,8 +3029,8 @@
           <a:cs typeface="+mn-cs"/>
         </a:defRPr>
       </a:lvl3pPr>
-      <a:lvl4pPr marL="3290835" algn="l" defTabSz="1096941" rtl="0" eaLnBrk="1" latinLnBrk="0" hangingPunct="1">
-        <a:defRPr sz="4536" kern="1200">
+      <a:lvl4pPr marL="1152121" algn="l" defTabSz="384039" rtl="0" eaLnBrk="1" latinLnBrk="0" hangingPunct="1">
+        <a:defRPr sz="1588" kern="1200">
           <a:solidFill>
             <a:schemeClr val="tx1"/>
           </a:solidFill>
@@ -3039,8 +3039,8 @@
           <a:cs typeface="+mn-cs"/>
         </a:defRPr>
       </a:lvl4pPr>
-      <a:lvl5pPr marL="4387776" algn="l" defTabSz="1096941" rtl="0" eaLnBrk="1" latinLnBrk="0" hangingPunct="1">
-        <a:defRPr sz="4536" kern="1200">
+      <a:lvl5pPr marL="1536160" algn="l" defTabSz="384039" rtl="0" eaLnBrk="1" latinLnBrk="0" hangingPunct="1">
+        <a:defRPr sz="1588" kern="1200">
           <a:solidFill>
             <a:schemeClr val="tx1"/>
           </a:solidFill>
@@ -3049,8 +3049,8 @@
           <a:cs typeface="+mn-cs"/>
         </a:defRPr>
       </a:lvl5pPr>
-      <a:lvl6pPr marL="5484731" algn="l" defTabSz="1096941" rtl="0" eaLnBrk="1" latinLnBrk="0" hangingPunct="1">
-        <a:defRPr sz="4536" kern="1200">
+      <a:lvl6pPr marL="1920204" algn="l" defTabSz="384039" rtl="0" eaLnBrk="1" latinLnBrk="0" hangingPunct="1">
+        <a:defRPr sz="1588" kern="1200">
           <a:solidFill>
             <a:schemeClr val="tx1"/>
           </a:solidFill>
@@ -3059,8 +3059,8 @@
           <a:cs typeface="+mn-cs"/>
         </a:defRPr>
       </a:lvl6pPr>
-      <a:lvl7pPr marL="6581673" algn="l" defTabSz="1096941" rtl="0" eaLnBrk="1" latinLnBrk="0" hangingPunct="1">
-        <a:defRPr sz="4536" kern="1200">
+      <a:lvl7pPr marL="2304244" algn="l" defTabSz="384039" rtl="0" eaLnBrk="1" latinLnBrk="0" hangingPunct="1">
+        <a:defRPr sz="1588" kern="1200">
           <a:solidFill>
             <a:schemeClr val="tx1"/>
           </a:solidFill>
@@ -3069,8 +3069,8 @@
           <a:cs typeface="+mn-cs"/>
         </a:defRPr>
       </a:lvl7pPr>
-      <a:lvl8pPr marL="7678625" algn="l" defTabSz="1096941" rtl="0" eaLnBrk="1" latinLnBrk="0" hangingPunct="1">
-        <a:defRPr sz="4536" kern="1200">
+      <a:lvl8pPr marL="2688287" algn="l" defTabSz="384039" rtl="0" eaLnBrk="1" latinLnBrk="0" hangingPunct="1">
+        <a:defRPr sz="1588" kern="1200">
           <a:solidFill>
             <a:schemeClr val="tx1"/>
           </a:solidFill>
@@ -3079,8 +3079,8 @@
           <a:cs typeface="+mn-cs"/>
         </a:defRPr>
       </a:lvl8pPr>
-      <a:lvl9pPr marL="8775575" algn="l" defTabSz="1096941" rtl="0" eaLnBrk="1" latinLnBrk="0" hangingPunct="1">
-        <a:defRPr sz="4536" kern="1200">
+      <a:lvl9pPr marL="3072329" algn="l" defTabSz="384039" rtl="0" eaLnBrk="1" latinLnBrk="0" hangingPunct="1">
+        <a:defRPr sz="1588" kern="1200">
           <a:solidFill>
             <a:schemeClr val="tx1"/>
           </a:solidFill>
@@ -3111,698 +3111,37 @@
           <a:chExt cx="0" cy="0"/>
         </a:xfrm>
       </p:grpSpPr>
-      <p:sp>
-        <p:nvSpPr>
-          <p:cNvPr id="23" name="Right Arrow 22"/>
-          <p:cNvSpPr/>
-          <p:nvPr/>
-        </p:nvSpPr>
-        <p:spPr>
-          <a:xfrm>
-            <a:off x="3928696" y="2549442"/>
-            <a:ext cx="1584176" cy="389324"/>
-          </a:xfrm>
-          <a:prstGeom prst="rightArrow">
-            <a:avLst/>
-          </a:prstGeom>
-        </p:spPr>
-        <p:style>
-          <a:lnRef idx="2">
-            <a:schemeClr val="accent1">
-              <a:shade val="50000"/>
-            </a:schemeClr>
-          </a:lnRef>
-          <a:fillRef idx="1">
-            <a:schemeClr val="accent1"/>
-          </a:fillRef>
-          <a:effectRef idx="0">
-            <a:schemeClr val="accent1"/>
-          </a:effectRef>
-          <a:fontRef idx="minor">
-            <a:schemeClr val="lt1"/>
-          </a:fontRef>
-        </p:style>
-        <p:txBody>
-          <a:bodyPr rtlCol="0" anchor="ctr"/>
-          <a:lstStyle/>
-          <a:p>
-            <a:pPr algn="ctr"/>
-            <a:endParaRPr lang="en-US"/>
-          </a:p>
-        </p:txBody>
-      </p:sp>
-      <p:sp>
-        <p:nvSpPr>
-          <p:cNvPr id="24" name="Rectangle 23"/>
-          <p:cNvSpPr/>
-          <p:nvPr/>
-        </p:nvSpPr>
-        <p:spPr>
-          <a:xfrm>
-            <a:off x="2589643" y="2861978"/>
-            <a:ext cx="1339053" cy="243972"/>
-          </a:xfrm>
-          <a:prstGeom prst="rect">
-            <a:avLst/>
-          </a:prstGeom>
-        </p:spPr>
-        <p:style>
-          <a:lnRef idx="2">
-            <a:schemeClr val="accent1">
-              <a:shade val="50000"/>
-            </a:schemeClr>
-          </a:lnRef>
-          <a:fillRef idx="1">
-            <a:schemeClr val="accent1"/>
-          </a:fillRef>
-          <a:effectRef idx="0">
-            <a:schemeClr val="accent1"/>
-          </a:effectRef>
-          <a:fontRef idx="minor">
-            <a:schemeClr val="lt1"/>
-          </a:fontRef>
-        </p:style>
-        <p:txBody>
-          <a:bodyPr rtlCol="0" anchor="ctr"/>
-          <a:lstStyle/>
-          <a:p>
-            <a:pPr algn="ctr"/>
-            <a:endParaRPr lang="en-US"/>
-          </a:p>
-        </p:txBody>
-      </p:sp>
-      <p:sp>
-        <p:nvSpPr>
-          <p:cNvPr id="25" name="Rectangle 24"/>
-          <p:cNvSpPr/>
-          <p:nvPr/>
-        </p:nvSpPr>
-        <p:spPr>
-          <a:xfrm>
-            <a:off x="3054908" y="2210888"/>
-            <a:ext cx="3158929" cy="338554"/>
-          </a:xfrm>
-          <a:prstGeom prst="rect">
-            <a:avLst/>
-          </a:prstGeom>
-        </p:spPr>
-        <p:txBody>
-          <a:bodyPr wrap="square">
-            <a:spAutoFit/>
-          </a:bodyPr>
-          <a:lstStyle/>
-          <a:p>
-            <a:pPr algn="ctr"/>
-            <a:r>
-              <a:rPr lang="en-US" sz="1600" i="1" dirty="0" err="1" smtClean="0"/>
-              <a:t>chlD</a:t>
-            </a:r>
-            <a:r>
-              <a:rPr lang="en-US" sz="1600" dirty="0" smtClean="0"/>
-              <a:t> mRNA with </a:t>
-            </a:r>
-            <a:r>
-              <a:rPr lang="en-US" sz="1600" dirty="0" err="1" smtClean="0"/>
-              <a:t>frameshifted</a:t>
-            </a:r>
-            <a:r>
-              <a:rPr lang="en-US" sz="1600" dirty="0" smtClean="0"/>
-              <a:t> CDS</a:t>
-            </a:r>
-            <a:endParaRPr lang="en-US" sz="1600" dirty="0"/>
-          </a:p>
-        </p:txBody>
-      </p:sp>
-      <p:pic>
-        <p:nvPicPr>
-          <p:cNvPr id="26" name="Picture 25"/>
-          <p:cNvPicPr>
-            <a:picLocks noChangeAspect="1"/>
-          </p:cNvPicPr>
-          <p:nvPr/>
-        </p:nvPicPr>
-        <p:blipFill>
-          <a:blip r:embed="rId2"/>
-          <a:stretch>
-            <a:fillRect/>
-          </a:stretch>
-        </p:blipFill>
-        <p:spPr>
-          <a:xfrm>
-            <a:off x="141371" y="0"/>
-            <a:ext cx="2932762" cy="1129113"/>
-          </a:xfrm>
-          <a:prstGeom prst="rect">
-            <a:avLst/>
-          </a:prstGeom>
-        </p:spPr>
-      </p:pic>
-      <p:pic>
-        <p:nvPicPr>
-          <p:cNvPr id="27" name="Picture 26"/>
-          <p:cNvPicPr>
-            <a:picLocks noChangeAspect="1"/>
-          </p:cNvPicPr>
-          <p:nvPr/>
-        </p:nvPicPr>
-        <p:blipFill>
-          <a:blip r:embed="rId3"/>
-          <a:stretch>
-            <a:fillRect/>
-          </a:stretch>
-        </p:blipFill>
-        <p:spPr>
-          <a:xfrm>
-            <a:off x="4634373" y="34796"/>
-            <a:ext cx="4363982" cy="1003921"/>
-          </a:xfrm>
-          <a:prstGeom prst="rect">
-            <a:avLst/>
-          </a:prstGeom>
-        </p:spPr>
-      </p:pic>
       <p:grpSp>
         <p:nvGrpSpPr>
-          <p:cNvPr id="28" name="Group 27"/>
+          <p:cNvPr id="43" name="Group 42"/>
           <p:cNvGrpSpPr/>
           <p:nvPr/>
         </p:nvGrpSpPr>
         <p:grpSpPr>
           <a:xfrm>
-            <a:off x="309577" y="2123090"/>
-            <a:ext cx="2856130" cy="657289"/>
-            <a:chOff x="4445120" y="3159147"/>
-            <a:chExt cx="2856130" cy="657289"/>
-          </a:xfrm>
-        </p:grpSpPr>
-        <p:cxnSp>
-          <p:nvCxnSpPr>
-            <p:cNvPr id="29" name="Straight Arrow Connector 28"/>
-            <p:cNvCxnSpPr/>
-            <p:nvPr/>
-          </p:nvCxnSpPr>
-          <p:spPr>
-            <a:xfrm>
-              <a:off x="5703289" y="3159147"/>
-              <a:ext cx="1237921" cy="657289"/>
-            </a:xfrm>
-            <a:prstGeom prst="straightConnector1">
-              <a:avLst/>
-            </a:prstGeom>
-            <a:ln w="38100">
-              <a:solidFill>
-                <a:schemeClr val="tx1"/>
-              </a:solidFill>
-              <a:tailEnd type="arrow"/>
-            </a:ln>
-          </p:spPr>
-          <p:style>
-            <a:lnRef idx="1">
-              <a:schemeClr val="accent1"/>
-            </a:lnRef>
-            <a:fillRef idx="0">
-              <a:schemeClr val="accent1"/>
-            </a:fillRef>
-            <a:effectRef idx="0">
-              <a:schemeClr val="accent1"/>
-            </a:effectRef>
-            <a:fontRef idx="minor">
-              <a:schemeClr val="tx1"/>
-            </a:fontRef>
-          </p:style>
-        </p:cxnSp>
-        <p:cxnSp>
-          <p:nvCxnSpPr>
-            <p:cNvPr id="30" name="Straight Arrow Connector 29"/>
-            <p:cNvCxnSpPr/>
-            <p:nvPr/>
-          </p:nvCxnSpPr>
-          <p:spPr>
-            <a:xfrm flipH="1">
-              <a:off x="4445120" y="3159147"/>
-              <a:ext cx="2856130" cy="0"/>
-            </a:xfrm>
-            <a:prstGeom prst="straightConnector1">
-              <a:avLst/>
-            </a:prstGeom>
-            <a:ln w="38100">
-              <a:solidFill>
-                <a:schemeClr val="tx1"/>
-              </a:solidFill>
-              <a:tailEnd type="none"/>
-            </a:ln>
-          </p:spPr>
-          <p:style>
-            <a:lnRef idx="1">
-              <a:schemeClr val="accent1"/>
-            </a:lnRef>
-            <a:fillRef idx="0">
-              <a:schemeClr val="accent1"/>
-            </a:fillRef>
-            <a:effectRef idx="0">
-              <a:schemeClr val="accent1"/>
-            </a:effectRef>
-            <a:fontRef idx="minor">
-              <a:schemeClr val="tx1"/>
-            </a:fontRef>
-          </p:style>
-        </p:cxnSp>
-        <p:sp>
-          <p:nvSpPr>
-            <p:cNvPr id="31" name="Rectangle 30"/>
-            <p:cNvSpPr/>
-            <p:nvPr/>
-          </p:nvSpPr>
-          <p:spPr>
-            <a:xfrm>
-              <a:off x="5481981" y="3262302"/>
-              <a:ext cx="1405578" cy="369332"/>
-            </a:xfrm>
-            <a:prstGeom prst="rect">
-              <a:avLst/>
-            </a:prstGeom>
-            <a:solidFill>
-              <a:schemeClr val="bg1"/>
-            </a:solidFill>
-            <a:ln>
-              <a:solidFill>
-                <a:schemeClr val="tx1"/>
-              </a:solidFill>
-            </a:ln>
-          </p:spPr>
-          <p:txBody>
-            <a:bodyPr wrap="none">
-              <a:spAutoFit/>
-            </a:bodyPr>
-            <a:lstStyle/>
-            <a:p>
-              <a:pPr algn="ctr"/>
-              <a:r>
-                <a:rPr lang="en-US" smtClean="0"/>
-                <a:t>Transcription</a:t>
-              </a:r>
-              <a:endParaRPr lang="en-US" dirty="0" smtClean="0"/>
-            </a:p>
-          </p:txBody>
-        </p:sp>
-      </p:grpSp>
-      <p:grpSp>
-        <p:nvGrpSpPr>
-          <p:cNvPr id="32" name="Group 31"/>
-          <p:cNvGrpSpPr/>
-          <p:nvPr/>
-        </p:nvGrpSpPr>
-        <p:grpSpPr>
-          <a:xfrm>
-            <a:off x="6869772" y="828381"/>
-            <a:ext cx="1856470" cy="1313064"/>
-            <a:chOff x="6835905" y="1781054"/>
-            <a:chExt cx="1856470" cy="1313064"/>
-          </a:xfrm>
-        </p:grpSpPr>
-        <p:cxnSp>
-          <p:nvCxnSpPr>
-            <p:cNvPr id="33" name="Straight Arrow Connector 32"/>
-            <p:cNvCxnSpPr/>
-            <p:nvPr/>
-          </p:nvCxnSpPr>
-          <p:spPr>
-            <a:xfrm>
-              <a:off x="7956376" y="1781054"/>
-              <a:ext cx="0" cy="667992"/>
-            </a:xfrm>
-            <a:prstGeom prst="straightConnector1">
-              <a:avLst/>
-            </a:prstGeom>
-            <a:ln w="38100">
-              <a:solidFill>
-                <a:schemeClr val="tx1"/>
-              </a:solidFill>
-              <a:tailEnd type="arrow"/>
-            </a:ln>
-          </p:spPr>
-          <p:style>
-            <a:lnRef idx="1">
-              <a:schemeClr val="accent1"/>
-            </a:lnRef>
-            <a:fillRef idx="0">
-              <a:schemeClr val="accent1"/>
-            </a:fillRef>
-            <a:effectRef idx="0">
-              <a:schemeClr val="accent1"/>
-            </a:effectRef>
-            <a:fontRef idx="minor">
-              <a:schemeClr val="tx1"/>
-            </a:fontRef>
-          </p:style>
-        </p:cxnSp>
-        <p:sp>
-          <p:nvSpPr>
-            <p:cNvPr id="34" name="Rectangle 33"/>
-            <p:cNvSpPr/>
-            <p:nvPr/>
-          </p:nvSpPr>
-          <p:spPr>
-            <a:xfrm>
-              <a:off x="6835905" y="2447787"/>
-              <a:ext cx="1856470" cy="646331"/>
-            </a:xfrm>
-            <a:prstGeom prst="rect">
-              <a:avLst/>
-            </a:prstGeom>
-          </p:spPr>
-          <p:txBody>
-            <a:bodyPr wrap="none">
-              <a:spAutoFit/>
-            </a:bodyPr>
-            <a:lstStyle/>
-            <a:p>
-              <a:pPr algn="ctr"/>
-              <a:r>
-                <a:rPr lang="en-US" dirty="0" smtClean="0"/>
-                <a:t>“</a:t>
-              </a:r>
-              <a:r>
-                <a:rPr lang="en-US" dirty="0" err="1" smtClean="0"/>
-                <a:t>cobaltochelatase</a:t>
-              </a:r>
-              <a:endParaRPr lang="en-US" dirty="0" smtClean="0"/>
-            </a:p>
-            <a:p>
-              <a:pPr algn="ctr"/>
-              <a:r>
-                <a:rPr lang="en-US" dirty="0" smtClean="0"/>
-                <a:t>subunit </a:t>
-              </a:r>
-              <a:r>
-                <a:rPr lang="en-US" dirty="0" err="1" smtClean="0"/>
-                <a:t>CobN</a:t>
-              </a:r>
-              <a:r>
-                <a:rPr lang="en-US" dirty="0" smtClean="0"/>
-                <a:t>”</a:t>
-              </a:r>
-            </a:p>
-          </p:txBody>
-        </p:sp>
-      </p:grpSp>
-      <p:sp>
-        <p:nvSpPr>
-          <p:cNvPr id="35" name="Rectangle 34"/>
-          <p:cNvSpPr/>
-          <p:nvPr/>
-        </p:nvSpPr>
-        <p:spPr>
-          <a:xfrm>
-            <a:off x="3534923" y="434088"/>
-            <a:ext cx="497252" cy="584775"/>
-          </a:xfrm>
-          <a:prstGeom prst="rect">
-            <a:avLst/>
-          </a:prstGeom>
-        </p:spPr>
-        <p:txBody>
-          <a:bodyPr wrap="none">
-            <a:spAutoFit/>
-          </a:bodyPr>
-          <a:lstStyle/>
-          <a:p>
-            <a:pPr algn="ctr"/>
-            <a:r>
-              <a:rPr lang="en-US" sz="3200" dirty="0" smtClean="0"/>
-              <a:t>...</a:t>
-            </a:r>
-            <a:endParaRPr lang="en-US" sz="3200" dirty="0"/>
-          </a:p>
-        </p:txBody>
-      </p:sp>
-      <p:grpSp>
-        <p:nvGrpSpPr>
-          <p:cNvPr id="36" name="Group 35"/>
-          <p:cNvGrpSpPr/>
-          <p:nvPr/>
-        </p:nvGrpSpPr>
-        <p:grpSpPr>
-          <a:xfrm>
-            <a:off x="152919" y="892151"/>
-            <a:ext cx="3226180" cy="1250927"/>
-            <a:chOff x="119052" y="1844824"/>
-            <a:chExt cx="3226180" cy="1250927"/>
-          </a:xfrm>
-        </p:grpSpPr>
-        <p:sp>
-          <p:nvSpPr>
-            <p:cNvPr id="37" name="Rectangle 36"/>
-            <p:cNvSpPr/>
-            <p:nvPr/>
-          </p:nvSpPr>
-          <p:spPr>
-            <a:xfrm>
-              <a:off x="119052" y="2449420"/>
-              <a:ext cx="1284596" cy="646331"/>
-            </a:xfrm>
-            <a:prstGeom prst="rect">
-              <a:avLst/>
-            </a:prstGeom>
-          </p:spPr>
-          <p:txBody>
-            <a:bodyPr wrap="square">
-              <a:spAutoFit/>
-            </a:bodyPr>
-            <a:lstStyle/>
-            <a:p>
-              <a:pPr algn="ctr"/>
-              <a:r>
-                <a:rPr lang="en-US" dirty="0"/>
-                <a:t>“AAA family ATPase "</a:t>
-              </a:r>
-            </a:p>
-          </p:txBody>
-        </p:sp>
-        <p:sp>
-          <p:nvSpPr>
-            <p:cNvPr id="38" name="Rectangle 37"/>
-            <p:cNvSpPr/>
-            <p:nvPr/>
-          </p:nvSpPr>
-          <p:spPr>
-            <a:xfrm>
-              <a:off x="1312571" y="2449420"/>
-              <a:ext cx="2032661" cy="646331"/>
-            </a:xfrm>
-            <a:prstGeom prst="rect">
-              <a:avLst/>
-            </a:prstGeom>
-          </p:spPr>
-          <p:txBody>
-            <a:bodyPr wrap="square">
-              <a:spAutoFit/>
-            </a:bodyPr>
-            <a:lstStyle/>
-            <a:p>
-              <a:pPr algn="ctr"/>
-              <a:r>
-                <a:rPr lang="en-US" smtClean="0"/>
-                <a:t>“</a:t>
-              </a:r>
-              <a:r>
-                <a:rPr lang="en-US"/>
-                <a:t>VWA domain-containing protein</a:t>
-              </a:r>
-              <a:r>
-                <a:rPr lang="en-US" smtClean="0"/>
-                <a:t>”</a:t>
-              </a:r>
-              <a:endParaRPr lang="en-US" dirty="0"/>
-            </a:p>
-          </p:txBody>
-        </p:sp>
-        <p:cxnSp>
-          <p:nvCxnSpPr>
-            <p:cNvPr id="39" name="Straight Arrow Connector 38"/>
-            <p:cNvCxnSpPr/>
-            <p:nvPr/>
-          </p:nvCxnSpPr>
-          <p:spPr>
-            <a:xfrm>
-              <a:off x="2123728" y="1844824"/>
-              <a:ext cx="0" cy="667992"/>
-            </a:xfrm>
-            <a:prstGeom prst="straightConnector1">
-              <a:avLst/>
-            </a:prstGeom>
-            <a:ln w="38100">
-              <a:solidFill>
-                <a:schemeClr val="tx1"/>
-              </a:solidFill>
-              <a:tailEnd type="arrow"/>
-            </a:ln>
-          </p:spPr>
-          <p:style>
-            <a:lnRef idx="1">
-              <a:schemeClr val="accent1"/>
-            </a:lnRef>
-            <a:fillRef idx="0">
-              <a:schemeClr val="accent1"/>
-            </a:fillRef>
-            <a:effectRef idx="0">
-              <a:schemeClr val="accent1"/>
-            </a:effectRef>
-            <a:fontRef idx="minor">
-              <a:schemeClr val="tx1"/>
-            </a:fontRef>
-          </p:style>
-        </p:cxnSp>
-        <p:cxnSp>
-          <p:nvCxnSpPr>
-            <p:cNvPr id="40" name="Straight Arrow Connector 39"/>
-            <p:cNvCxnSpPr/>
-            <p:nvPr/>
-          </p:nvCxnSpPr>
-          <p:spPr>
-            <a:xfrm>
-              <a:off x="971600" y="2038044"/>
-              <a:ext cx="0" cy="474772"/>
-            </a:xfrm>
-            <a:prstGeom prst="straightConnector1">
-              <a:avLst/>
-            </a:prstGeom>
-            <a:ln w="38100">
-              <a:solidFill>
-                <a:schemeClr val="tx1"/>
-              </a:solidFill>
-              <a:tailEnd type="arrow"/>
-            </a:ln>
-          </p:spPr>
-          <p:style>
-            <a:lnRef idx="1">
-              <a:schemeClr val="accent1"/>
-            </a:lnRef>
-            <a:fillRef idx="0">
-              <a:schemeClr val="accent1"/>
-            </a:fillRef>
-            <a:effectRef idx="0">
-              <a:schemeClr val="accent1"/>
-            </a:effectRef>
-            <a:fontRef idx="minor">
-              <a:schemeClr val="tx1"/>
-            </a:fontRef>
-          </p:style>
-        </p:cxnSp>
-      </p:grpSp>
-      <p:sp>
-        <p:nvSpPr>
-          <p:cNvPr id="42" name="Rectangle 41"/>
-          <p:cNvSpPr/>
-          <p:nvPr/>
-        </p:nvSpPr>
-        <p:spPr>
-          <a:xfrm>
-            <a:off x="3849783" y="2863909"/>
-            <a:ext cx="108012" cy="245308"/>
-          </a:xfrm>
-          <a:prstGeom prst="rect">
-            <a:avLst/>
-          </a:prstGeom>
-          <a:solidFill>
-            <a:srgbClr val="FF0000"/>
-          </a:solidFill>
-          <a:ln>
-            <a:noFill/>
-          </a:ln>
-        </p:spPr>
-        <p:style>
-          <a:lnRef idx="2">
-            <a:schemeClr val="accent1">
-              <a:shade val="50000"/>
-            </a:schemeClr>
-          </a:lnRef>
-          <a:fillRef idx="1">
-            <a:schemeClr val="accent1"/>
-          </a:fillRef>
-          <a:effectRef idx="0">
-            <a:schemeClr val="accent1"/>
-          </a:effectRef>
-          <a:fontRef idx="minor">
-            <a:schemeClr val="lt1"/>
-          </a:fontRef>
-        </p:style>
-        <p:txBody>
-          <a:bodyPr rtlCol="0" anchor="ctr"/>
-          <a:lstStyle/>
-          <a:p>
-            <a:pPr algn="ctr"/>
-            <a:endParaRPr lang="en-US"/>
-          </a:p>
-        </p:txBody>
-      </p:sp>
-      <p:cxnSp>
-        <p:nvCxnSpPr>
-          <p:cNvPr id="64" name="Straight Arrow Connector 63"/>
-          <p:cNvCxnSpPr/>
-          <p:nvPr/>
-        </p:nvCxnSpPr>
-        <p:spPr>
-          <a:xfrm>
-            <a:off x="3917679" y="3151076"/>
-            <a:ext cx="7386" cy="332531"/>
-          </a:xfrm>
-          <a:prstGeom prst="straightConnector1">
-            <a:avLst/>
-          </a:prstGeom>
-          <a:ln w="19050">
-            <a:solidFill>
-              <a:srgbClr val="FF0000"/>
-            </a:solidFill>
-            <a:tailEnd type="arrow"/>
-          </a:ln>
-        </p:spPr>
-        <p:style>
-          <a:lnRef idx="1">
-            <a:schemeClr val="accent1"/>
-          </a:lnRef>
-          <a:fillRef idx="0">
-            <a:schemeClr val="accent1"/>
-          </a:fillRef>
-          <a:effectRef idx="0">
-            <a:schemeClr val="accent1"/>
-          </a:effectRef>
-          <a:fontRef idx="minor">
-            <a:schemeClr val="tx1"/>
-          </a:fontRef>
-        </p:style>
-      </p:cxnSp>
-      <p:grpSp>
-        <p:nvGrpSpPr>
-          <p:cNvPr id="75" name="Group 74"/>
-          <p:cNvGrpSpPr/>
-          <p:nvPr/>
-        </p:nvGrpSpPr>
-        <p:grpSpPr>
-          <a:xfrm>
-            <a:off x="152919" y="3814638"/>
-            <a:ext cx="6991333" cy="1664895"/>
-            <a:chOff x="154433" y="1268760"/>
-            <a:chExt cx="6991333" cy="1664895"/>
+            <a:off x="0" y="0"/>
+            <a:ext cx="4351715" cy="1911117"/>
+            <a:chOff x="1564870" y="453372"/>
+            <a:chExt cx="4351715" cy="1911117"/>
           </a:xfrm>
         </p:grpSpPr>
         <p:pic>
           <p:nvPicPr>
-            <p:cNvPr id="76" name="Picture 75"/>
+            <p:cNvPr id="44" name="Picture 43"/>
             <p:cNvPicPr>
               <a:picLocks noChangeAspect="1"/>
             </p:cNvPicPr>
             <p:nvPr/>
           </p:nvPicPr>
           <p:blipFill>
-            <a:blip r:embed="rId4"/>
+            <a:blip r:embed="rId2"/>
             <a:stretch>
               <a:fillRect/>
             </a:stretch>
           </p:blipFill>
           <p:spPr>
             <a:xfrm>
-              <a:off x="2843808" y="1268760"/>
+              <a:off x="1614627" y="453372"/>
               <a:ext cx="4301958" cy="1080120"/>
             </a:xfrm>
             <a:prstGeom prst="rect">
@@ -3812,74 +3151,13 @@
         </p:pic>
         <p:sp>
           <p:nvSpPr>
-            <p:cNvPr id="77" name="Rectangle 76"/>
+            <p:cNvPr id="45" name="Rectangle 44"/>
             <p:cNvSpPr/>
             <p:nvPr/>
           </p:nvSpPr>
           <p:spPr>
             <a:xfrm>
-              <a:off x="154433" y="1431842"/>
-              <a:ext cx="2689375" cy="830997"/>
-            </a:xfrm>
-            <a:prstGeom prst="rect">
-              <a:avLst/>
-            </a:prstGeom>
-          </p:spPr>
-          <p:txBody>
-            <a:bodyPr wrap="square">
-              <a:spAutoFit/>
-            </a:bodyPr>
-            <a:lstStyle/>
-            <a:p>
-              <a:r>
-                <a:rPr lang="en-US" sz="1600" dirty="0" smtClean="0"/>
-                <a:t>Logo </a:t>
-              </a:r>
-              <a:r>
-                <a:rPr lang="en-US" sz="1600" dirty="0" smtClean="0"/>
-                <a:t>obtained from the alignment </a:t>
-              </a:r>
-              <a:r>
-                <a:rPr lang="en-US" sz="1600" dirty="0" smtClean="0"/>
-                <a:t>of </a:t>
-              </a:r>
-              <a:r>
-                <a:rPr lang="en-US" sz="1600" dirty="0" smtClean="0"/>
-                <a:t>28 </a:t>
-              </a:r>
-              <a:r>
-                <a:rPr lang="en-US" sz="1600" i="1" dirty="0" err="1"/>
-                <a:t>Corynebacterium</a:t>
-              </a:r>
-              <a:r>
-                <a:rPr lang="en-US" sz="1600" dirty="0" smtClean="0"/>
-                <a:t> </a:t>
-              </a:r>
-              <a:r>
-                <a:rPr lang="en-US" sz="1600" i="1" dirty="0" err="1" smtClean="0"/>
-                <a:t>chlD</a:t>
-              </a:r>
-              <a:r>
-                <a:rPr lang="en-US" sz="1600" dirty="0" smtClean="0"/>
-                <a:t> </a:t>
-              </a:r>
-              <a:r>
-                <a:rPr lang="en-US" sz="1600" dirty="0" smtClean="0"/>
-                <a:t>genes</a:t>
-              </a:r>
-              <a:endParaRPr lang="en-US" sz="1600" dirty="0"/>
-            </a:p>
-          </p:txBody>
-        </p:sp>
-        <p:sp>
-          <p:nvSpPr>
-            <p:cNvPr id="78" name="Rectangle 77"/>
-            <p:cNvSpPr/>
-            <p:nvPr/>
-          </p:nvSpPr>
-          <p:spPr>
-            <a:xfrm>
-              <a:off x="3915308" y="2348880"/>
+              <a:off x="2686127" y="1533492"/>
               <a:ext cx="771300" cy="338554"/>
             </a:xfrm>
             <a:prstGeom prst="rect">
@@ -3911,13 +3189,13 @@
         </p:sp>
         <p:sp>
           <p:nvSpPr>
-            <p:cNvPr id="79" name="Rectangle 78"/>
+            <p:cNvPr id="46" name="Rectangle 45"/>
             <p:cNvSpPr/>
             <p:nvPr/>
           </p:nvSpPr>
           <p:spPr>
             <a:xfrm>
-              <a:off x="4616870" y="2348880"/>
+              <a:off x="3387689" y="1533492"/>
               <a:ext cx="806118" cy="584775"/>
             </a:xfrm>
             <a:prstGeom prst="rect">
@@ -3964,13 +3242,13 @@
         </p:sp>
         <p:sp>
           <p:nvSpPr>
-            <p:cNvPr id="80" name="Rectangle 79"/>
+            <p:cNvPr id="47" name="Rectangle 46"/>
             <p:cNvSpPr/>
             <p:nvPr/>
           </p:nvSpPr>
           <p:spPr>
             <a:xfrm>
-              <a:off x="6391522" y="2348880"/>
+              <a:off x="5162341" y="1533492"/>
               <a:ext cx="702373" cy="584775"/>
             </a:xfrm>
             <a:prstGeom prst="rect">
@@ -3999,31 +3277,16 @@
             </a:p>
           </p:txBody>
         </p:sp>
-      </p:grpSp>
-      <p:grpSp>
-        <p:nvGrpSpPr>
-          <p:cNvPr id="81" name="Group 80"/>
-          <p:cNvGrpSpPr/>
-          <p:nvPr/>
-        </p:nvGrpSpPr>
-        <p:grpSpPr>
-          <a:xfrm>
-            <a:off x="152919" y="3467032"/>
-            <a:ext cx="6793773" cy="369332"/>
-            <a:chOff x="154433" y="921154"/>
-            <a:chExt cx="6793773" cy="369332"/>
-          </a:xfrm>
-        </p:grpSpPr>
         <p:sp>
           <p:nvSpPr>
-            <p:cNvPr id="82" name="Rectangle 81"/>
+            <p:cNvPr id="48" name="Rectangle 47"/>
             <p:cNvSpPr/>
             <p:nvPr/>
           </p:nvSpPr>
           <p:spPr>
             <a:xfrm>
-              <a:off x="3041367" y="921154"/>
-              <a:ext cx="3906839" cy="369332"/>
+              <a:off x="1564870" y="1533492"/>
+              <a:ext cx="981359" cy="830997"/>
             </a:xfrm>
             <a:prstGeom prst="rect">
               <a:avLst/>
@@ -4035,51 +3298,26 @@
             </a:bodyPr>
             <a:lstStyle/>
             <a:p>
+              <a:pPr algn="ctr"/>
               <a:r>
-                <a:rPr lang="en-US" b="1" dirty="0">
-                  <a:latin typeface="Courier New" charset="0"/>
-                  <a:ea typeface="Courier New" charset="0"/>
-                  <a:cs typeface="Courier New" charset="0"/>
-                </a:rPr>
-                <a:t>GGC_GCC_CCC_TTT_CGT_CCC_TAA</a:t>
+                <a:rPr lang="en-US" sz="1600" smtClean="0"/>
+                <a:t>Internal</a:t>
               </a:r>
             </a:p>
-          </p:txBody>
-        </p:sp>
-        <p:sp>
-          <p:nvSpPr>
-            <p:cNvPr id="83" name="Rectangle 82"/>
-            <p:cNvSpPr/>
-            <p:nvPr/>
-          </p:nvSpPr>
-          <p:spPr>
-            <a:xfrm>
-              <a:off x="154433" y="951932"/>
-              <a:ext cx="2722550" cy="338554"/>
-            </a:xfrm>
-            <a:prstGeom prst="rect">
-              <a:avLst/>
-            </a:prstGeom>
-          </p:spPr>
-          <p:txBody>
-            <a:bodyPr wrap="square">
-              <a:spAutoFit/>
-            </a:bodyPr>
-            <a:lstStyle/>
             <a:p>
+              <a:pPr algn="ctr"/>
               <a:r>
-                <a:rPr lang="en-US" sz="1600" i="1" dirty="0" err="1"/>
-                <a:t>Corynebacterium</a:t>
+                <a:rPr lang="en-US" sz="1600" dirty="0" smtClean="0"/>
+                <a:t>SD-like</a:t>
               </a:r>
+            </a:p>
+            <a:p>
+              <a:pPr algn="ctr"/>
               <a:r>
-                <a:rPr lang="en-US" sz="1600" i="1" dirty="0"/>
-                <a:t> </a:t>
+                <a:rPr lang="en-US" sz="1600" dirty="0" smtClean="0"/>
+                <a:t>sequence</a:t>
               </a:r>
-              <a:r>
-                <a:rPr lang="en-US" sz="1600" i="1" dirty="0" err="1"/>
-                <a:t>diphtheriae</a:t>
-              </a:r>
-              <a:endParaRPr lang="en-US" sz="1600" i="1" dirty="0"/>
+              <a:endParaRPr lang="en-US" sz="1600" dirty="0"/>
             </a:p>
           </p:txBody>
         </p:sp>
@@ -4097,192 +3335,7 @@
   <p:timing>
     <p:tnLst>
       <p:par>
-        <p:cTn id="1" dur="indefinite" restart="never" nodeType="tmRoot">
-          <p:childTnLst>
-            <p:seq concurrent="1" nextAc="seek">
-              <p:cTn id="2" dur="indefinite" nodeType="mainSeq">
-                <p:childTnLst>
-                  <p:par>
-                    <p:cTn id="3" fill="hold">
-                      <p:stCondLst>
-                        <p:cond delay="indefinite"/>
-                      </p:stCondLst>
-                      <p:childTnLst>
-                        <p:par>
-                          <p:cTn id="4" fill="hold">
-                            <p:stCondLst>
-                              <p:cond delay="0"/>
-                            </p:stCondLst>
-                            <p:childTnLst>
-                              <p:par>
-                                <p:cTn id="5" presetID="1" presetClass="entr" presetSubtype="0" fill="hold" nodeType="clickEffect">
-                                  <p:stCondLst>
-                                    <p:cond delay="0"/>
-                                  </p:stCondLst>
-                                  <p:childTnLst>
-                                    <p:set>
-                                      <p:cBhvr>
-                                        <p:cTn id="6" dur="1" fill="hold">
-                                          <p:stCondLst>
-                                            <p:cond delay="0"/>
-                                          </p:stCondLst>
-                                        </p:cTn>
-                                        <p:tgtEl>
-                                          <p:spTgt spid="32"/>
-                                        </p:tgtEl>
-                                        <p:attrNameLst>
-                                          <p:attrName>style.visibility</p:attrName>
-                                        </p:attrNameLst>
-                                      </p:cBhvr>
-                                      <p:to>
-                                        <p:strVal val="visible"/>
-                                      </p:to>
-                                    </p:set>
-                                  </p:childTnLst>
-                                </p:cTn>
-                              </p:par>
-                              <p:par>
-                                <p:cTn id="7" presetID="1" presetClass="entr" presetSubtype="0" fill="hold" nodeType="withEffect">
-                                  <p:stCondLst>
-                                    <p:cond delay="0"/>
-                                  </p:stCondLst>
-                                  <p:childTnLst>
-                                    <p:set>
-                                      <p:cBhvr>
-                                        <p:cTn id="8" dur="1" fill="hold">
-                                          <p:stCondLst>
-                                            <p:cond delay="0"/>
-                                          </p:stCondLst>
-                                        </p:cTn>
-                                        <p:tgtEl>
-                                          <p:spTgt spid="36"/>
-                                        </p:tgtEl>
-                                        <p:attrNameLst>
-                                          <p:attrName>style.visibility</p:attrName>
-                                        </p:attrNameLst>
-                                      </p:cBhvr>
-                                      <p:to>
-                                        <p:strVal val="visible"/>
-                                      </p:to>
-                                    </p:set>
-                                  </p:childTnLst>
-                                </p:cTn>
-                              </p:par>
-                            </p:childTnLst>
-                          </p:cTn>
-                        </p:par>
-                      </p:childTnLst>
-                    </p:cTn>
-                  </p:par>
-                  <p:par>
-                    <p:cTn id="9" fill="hold">
-                      <p:stCondLst>
-                        <p:cond delay="indefinite"/>
-                      </p:stCondLst>
-                      <p:childTnLst>
-                        <p:par>
-                          <p:cTn id="10" fill="hold">
-                            <p:stCondLst>
-                              <p:cond delay="0"/>
-                            </p:stCondLst>
-                            <p:childTnLst>
-                              <p:par>
-                                <p:cTn id="11" presetID="1" presetClass="entr" presetSubtype="0" fill="hold" nodeType="clickEffect">
-                                  <p:stCondLst>
-                                    <p:cond delay="0"/>
-                                  </p:stCondLst>
-                                  <p:childTnLst>
-                                    <p:set>
-                                      <p:cBhvr>
-                                        <p:cTn id="12" dur="1" fill="hold">
-                                          <p:stCondLst>
-                                            <p:cond delay="0"/>
-                                          </p:stCondLst>
-                                        </p:cTn>
-                                        <p:tgtEl>
-                                          <p:spTgt spid="28"/>
-                                        </p:tgtEl>
-                                        <p:attrNameLst>
-                                          <p:attrName>style.visibility</p:attrName>
-                                        </p:attrNameLst>
-                                      </p:cBhvr>
-                                      <p:to>
-                                        <p:strVal val="visible"/>
-                                      </p:to>
-                                    </p:set>
-                                  </p:childTnLst>
-                                </p:cTn>
-                              </p:par>
-                            </p:childTnLst>
-                          </p:cTn>
-                        </p:par>
-                      </p:childTnLst>
-                    </p:cTn>
-                  </p:par>
-                  <p:par>
-                    <p:cTn id="13" fill="hold">
-                      <p:stCondLst>
-                        <p:cond delay="indefinite"/>
-                      </p:stCondLst>
-                      <p:childTnLst>
-                        <p:par>
-                          <p:cTn id="14" fill="hold">
-                            <p:stCondLst>
-                              <p:cond delay="0"/>
-                            </p:stCondLst>
-                            <p:childTnLst>
-                              <p:par>
-                                <p:cTn id="15" presetID="1" presetClass="entr" presetSubtype="0" fill="hold" nodeType="clickEffect">
-                                  <p:stCondLst>
-                                    <p:cond delay="0"/>
-                                  </p:stCondLst>
-                                  <p:childTnLst>
-                                    <p:set>
-                                      <p:cBhvr>
-                                        <p:cTn id="16" dur="1" fill="hold">
-                                          <p:stCondLst>
-                                            <p:cond delay="0"/>
-                                          </p:stCondLst>
-                                        </p:cTn>
-                                        <p:tgtEl>
-                                          <p:spTgt spid="75"/>
-                                        </p:tgtEl>
-                                        <p:attrNameLst>
-                                          <p:attrName>style.visibility</p:attrName>
-                                        </p:attrNameLst>
-                                      </p:cBhvr>
-                                      <p:to>
-                                        <p:strVal val="visible"/>
-                                      </p:to>
-                                    </p:set>
-                                  </p:childTnLst>
-                                </p:cTn>
-                              </p:par>
-                            </p:childTnLst>
-                          </p:cTn>
-                        </p:par>
-                      </p:childTnLst>
-                    </p:cTn>
-                  </p:par>
-                </p:childTnLst>
-              </p:cTn>
-              <p:prevCondLst>
-                <p:cond evt="onPrev" delay="0">
-                  <p:tgtEl>
-                    <p:sldTgt/>
-                  </p:tgtEl>
-                </p:cond>
-              </p:prevCondLst>
-              <p:nextCondLst>
-                <p:cond evt="onNext" delay="0">
-                  <p:tgtEl>
-                    <p:sldTgt/>
-                  </p:tgtEl>
-                </p:cond>
-              </p:nextCondLst>
-            </p:seq>
-          </p:childTnLst>
-        </p:cTn>
+        <p:cTn id="1" dur="indefinite" restart="never" nodeType="tmRoot"/>
       </p:par>
     </p:tnLst>
   </p:timing>
